--- a/doc/presentations/Probabilistic Library GFS 2 okt 2024.pptx
+++ b/doc/presentations/Probabilistic Library GFS 2 okt 2024.pptx
@@ -5,10 +5,10 @@
     <p:sldMasterId id="2147483648" r:id="rId4"/>
   </p:sldMasterIdLst>
   <p:notesMasterIdLst>
-    <p:notesMasterId r:id="rId16"/>
+    <p:notesMasterId r:id="rId17"/>
   </p:notesMasterIdLst>
   <p:handoutMasterIdLst>
-    <p:handoutMasterId r:id="rId17"/>
+    <p:handoutMasterId r:id="rId18"/>
   </p:handoutMasterIdLst>
   <p:sldIdLst>
     <p:sldId id="299" r:id="rId5"/>
@@ -20,8 +20,9 @@
     <p:sldId id="357" r:id="rId11"/>
     <p:sldId id="358" r:id="rId12"/>
     <p:sldId id="359" r:id="rId13"/>
-    <p:sldId id="341" r:id="rId14"/>
-    <p:sldId id="300" r:id="rId15"/>
+    <p:sldId id="360" r:id="rId14"/>
+    <p:sldId id="341" r:id="rId15"/>
+    <p:sldId id="300" r:id="rId16"/>
   </p:sldIdLst>
   <p:sldSz cx="12192000" cy="6858000"/>
   <p:notesSz cx="6858000" cy="9144000"/>
@@ -11624,7 +11625,7 @@
           <a:p>
             <a:fld id="{10423462-6B27-4736-8FD4-1786EE0BB6CA}" type="datetime1">
               <a:rPr lang="nl-NL" smtClean="0"/>
-              <a:t>1-10-2024</a:t>
+              <a:t>2-10-2024</a:t>
             </a:fld>
             <a:endParaRPr lang="nl-NL"/>
           </a:p>
@@ -15414,7 +15415,7 @@
           <p:cNvPr id="2" name="Title 1">
             <a:extLst>
               <a:ext uri="{FF2B5EF4-FFF2-40B4-BE49-F238E27FC236}">
-                <a16:creationId xmlns:a16="http://schemas.microsoft.com/office/drawing/2014/main" id="{679A5F0D-9B06-4661-87FD-72E5A2ACFBBE}"/>
+                <a16:creationId xmlns:a16="http://schemas.microsoft.com/office/drawing/2014/main" id="{3025C182-D1B0-6615-245D-1CB692AA42F4}"/>
               </a:ext>
             </a:extLst>
           </p:cNvPr>
@@ -15431,10 +15432,9 @@
           <a:lstStyle/>
           <a:p>
             <a:r>
-              <a:rPr lang="en-US" dirty="0"/>
-              <a:t>Using the Probabilistic Library</a:t>
-            </a:r>
-            <a:endParaRPr lang="nl-NL" dirty="0"/>
+              <a:rPr lang="nl-NL" dirty="0"/>
+              <a:t>Demo 2</a:t>
+            </a:r>
           </a:p>
         </p:txBody>
       </p:sp>
@@ -15443,7 +15443,7 @@
           <p:cNvPr id="3" name="Content Placeholder 2">
             <a:extLst>
               <a:ext uri="{FF2B5EF4-FFF2-40B4-BE49-F238E27FC236}">
-                <a16:creationId xmlns:a16="http://schemas.microsoft.com/office/drawing/2014/main" id="{EB0B01D2-AB88-4764-AF47-9D5D7CA3A27B}"/>
+                <a16:creationId xmlns:a16="http://schemas.microsoft.com/office/drawing/2014/main" id="{72574C8B-4F73-CF9F-CD48-3ECD1890C732}"/>
               </a:ext>
             </a:extLst>
           </p:cNvPr>
@@ -15460,50 +15460,77 @@
           <a:lstStyle/>
           <a:p>
             <a:r>
-              <a:rPr lang="en-US" dirty="0"/>
-              <a:t>Wheels available</a:t>
-            </a:r>
+              <a:rPr lang="nl-NL" dirty="0"/>
+              <a:t>JIRA</a:t>
+            </a:r>
+          </a:p>
+          <a:p>
+            <a:r>
+              <a:rPr lang="nl-NL" dirty="0"/>
+              <a:t>Github</a:t>
+            </a:r>
+          </a:p>
+          <a:p>
+            <a:r>
+              <a:rPr lang="nl-NL" dirty="0" err="1"/>
+              <a:t>TeamCity</a:t>
+            </a:r>
+            <a:endParaRPr lang="nl-NL" dirty="0"/>
           </a:p>
           <a:p>
             <a:pPr lvl="1"/>
             <a:r>
-              <a:rPr lang="en-US" dirty="0"/>
-              <a:t>ask us</a:t>
-            </a:r>
-            <a:endParaRPr lang="en-GB" dirty="0"/>
+              <a:rPr lang="nl-NL" dirty="0" err="1"/>
+              <a:t>Sig</a:t>
+            </a:r>
+            <a:r>
+              <a:rPr lang="nl-NL" dirty="0"/>
+              <a:t> </a:t>
+            </a:r>
+            <a:r>
+              <a:rPr lang="nl-NL" dirty="0" err="1"/>
+              <a:t>build</a:t>
+            </a:r>
+            <a:endParaRPr lang="nl-NL" dirty="0"/>
           </a:p>
           <a:p>
             <a:pPr lvl="1"/>
-            <a:endParaRPr lang="en-US" dirty="0"/>
-          </a:p>
-          <a:p>
-            <a:r>
-              <a:rPr lang="en-US" dirty="0"/>
-              <a:t>Pizza course</a:t>
-            </a:r>
+            <a:r>
+              <a:rPr lang="nl-NL" dirty="0"/>
+              <a:t>Code </a:t>
+            </a:r>
+            <a:r>
+              <a:rPr lang="nl-NL" dirty="0" err="1"/>
+              <a:t>coverage</a:t>
+            </a:r>
+            <a:r>
+              <a:rPr lang="nl-NL" dirty="0"/>
+              <a:t> </a:t>
+            </a:r>
+            <a:r>
+              <a:rPr lang="nl-NL" dirty="0" err="1"/>
+              <a:t>build</a:t>
+            </a:r>
+            <a:endParaRPr lang="nl-NL" dirty="0"/>
           </a:p>
           <a:p>
             <a:pPr lvl="1"/>
             <a:r>
-              <a:rPr lang="en-US" dirty="0"/>
-              <a:t>Start of November, to be announced</a:t>
-            </a:r>
-            <a:br>
-              <a:rPr lang="en-US" dirty="0"/>
-            </a:br>
-            <a:endParaRPr lang="en-US" dirty="0"/>
-          </a:p>
-          <a:p>
-            <a:endParaRPr lang="en-US" dirty="0"/>
-          </a:p>
-          <a:p>
-            <a:endParaRPr lang="en-US" dirty="0"/>
-          </a:p>
-          <a:p>
-            <a:pPr marL="0" indent="0">
-              <a:buNone/>
-            </a:pPr>
-            <a:endParaRPr lang="en-US" dirty="0"/>
+              <a:rPr lang="nl-NL" dirty="0"/>
+              <a:t>Treintje voor python </a:t>
+            </a:r>
+            <a:r>
+              <a:rPr lang="nl-NL" dirty="0" err="1"/>
+              <a:t>build</a:t>
+            </a:r>
+            <a:r>
+              <a:rPr lang="nl-NL" dirty="0"/>
+              <a:t>/tests</a:t>
+            </a:r>
+          </a:p>
+          <a:p>
+            <a:pPr lvl="1"/>
+            <a:endParaRPr lang="nl-NL" dirty="0"/>
           </a:p>
         </p:txBody>
       </p:sp>
@@ -15512,7 +15539,7 @@
           <p:cNvPr id="4" name="Date Placeholder 3">
             <a:extLst>
               <a:ext uri="{FF2B5EF4-FFF2-40B4-BE49-F238E27FC236}">
-                <a16:creationId xmlns:a16="http://schemas.microsoft.com/office/drawing/2014/main" id="{994954F2-890A-4CBA-AC9A-D821D45158AE}"/>
+                <a16:creationId xmlns:a16="http://schemas.microsoft.com/office/drawing/2014/main" id="{2D1DD9FF-1EE5-0105-9F10-EA4A882C009C}"/>
               </a:ext>
             </a:extLst>
           </p:cNvPr>
@@ -15528,9 +15555,191 @@
           <a:bodyPr/>
           <a:lstStyle/>
           <a:p>
+            <a:endParaRPr lang="nl-NL"/>
+          </a:p>
+        </p:txBody>
+      </p:sp>
+      <p:sp>
+        <p:nvSpPr>
+          <p:cNvPr id="5" name="Slide Number Placeholder 4">
+            <a:extLst>
+              <a:ext uri="{FF2B5EF4-FFF2-40B4-BE49-F238E27FC236}">
+                <a16:creationId xmlns:a16="http://schemas.microsoft.com/office/drawing/2014/main" id="{A165CE8E-A704-55EA-BE47-06F62FF04B85}"/>
+              </a:ext>
+            </a:extLst>
+          </p:cNvPr>
+          <p:cNvSpPr>
+            <a:spLocks noGrp="1"/>
+          </p:cNvSpPr>
+          <p:nvPr>
+            <p:ph type="sldNum" sz="quarter" idx="12"/>
+          </p:nvPr>
+        </p:nvSpPr>
+        <p:spPr/>
+        <p:txBody>
+          <a:bodyPr/>
+          <a:lstStyle/>
+          <a:p>
+            <a:fld id="{F42B3F14-D836-496B-80A2-23BE75BD68CB}" type="slidenum">
+              <a:rPr lang="nl-NL" smtClean="0"/>
+              <a:t>10</a:t>
+            </a:fld>
+            <a:endParaRPr lang="nl-NL"/>
+          </a:p>
+        </p:txBody>
+      </p:sp>
+    </p:spTree>
+    <p:extLst>
+      <p:ext uri="{BB962C8B-B14F-4D97-AF65-F5344CB8AC3E}">
+        <p14:creationId xmlns:p14="http://schemas.microsoft.com/office/powerpoint/2010/main" val="1561593311"/>
+      </p:ext>
+    </p:extLst>
+  </p:cSld>
+  <p:clrMapOvr>
+    <a:masterClrMapping/>
+  </p:clrMapOvr>
+</p:sld>
+</file>
+
+<file path=ppt/slides/slide11.xml><?xml version="1.0" encoding="utf-8"?>
+<p:sld xmlns:a="http://schemas.openxmlformats.org/drawingml/2006/main" xmlns:r="http://schemas.openxmlformats.org/officeDocument/2006/relationships" xmlns:p="http://schemas.openxmlformats.org/presentationml/2006/main">
+  <p:cSld>
+    <p:spTree>
+      <p:nvGrpSpPr>
+        <p:cNvPr id="1" name=""/>
+        <p:cNvGrpSpPr/>
+        <p:nvPr/>
+      </p:nvGrpSpPr>
+      <p:grpSpPr>
+        <a:xfrm>
+          <a:off x="0" y="0"/>
+          <a:ext cx="0" cy="0"/>
+          <a:chOff x="0" y="0"/>
+          <a:chExt cx="0" cy="0"/>
+        </a:xfrm>
+      </p:grpSpPr>
+      <p:sp>
+        <p:nvSpPr>
+          <p:cNvPr id="2" name="Title 1">
+            <a:extLst>
+              <a:ext uri="{FF2B5EF4-FFF2-40B4-BE49-F238E27FC236}">
+                <a16:creationId xmlns:a16="http://schemas.microsoft.com/office/drawing/2014/main" id="{679A5F0D-9B06-4661-87FD-72E5A2ACFBBE}"/>
+              </a:ext>
+            </a:extLst>
+          </p:cNvPr>
+          <p:cNvSpPr>
+            <a:spLocks noGrp="1"/>
+          </p:cNvSpPr>
+          <p:nvPr>
+            <p:ph type="title"/>
+          </p:nvPr>
+        </p:nvSpPr>
+        <p:spPr/>
+        <p:txBody>
+          <a:bodyPr/>
+          <a:lstStyle/>
+          <a:p>
+            <a:r>
+              <a:rPr lang="en-US" dirty="0"/>
+              <a:t>Using the Probabilistic Library</a:t>
+            </a:r>
+            <a:endParaRPr lang="nl-NL" dirty="0"/>
+          </a:p>
+        </p:txBody>
+      </p:sp>
+      <p:sp>
+        <p:nvSpPr>
+          <p:cNvPr id="3" name="Content Placeholder 2">
+            <a:extLst>
+              <a:ext uri="{FF2B5EF4-FFF2-40B4-BE49-F238E27FC236}">
+                <a16:creationId xmlns:a16="http://schemas.microsoft.com/office/drawing/2014/main" id="{EB0B01D2-AB88-4764-AF47-9D5D7CA3A27B}"/>
+              </a:ext>
+            </a:extLst>
+          </p:cNvPr>
+          <p:cNvSpPr>
+            <a:spLocks noGrp="1"/>
+          </p:cNvSpPr>
+          <p:nvPr>
+            <p:ph idx="1"/>
+          </p:nvPr>
+        </p:nvSpPr>
+        <p:spPr/>
+        <p:txBody>
+          <a:bodyPr/>
+          <a:lstStyle/>
+          <a:p>
+            <a:r>
+              <a:rPr lang="en-US" dirty="0"/>
+              <a:t>Wheels available</a:t>
+            </a:r>
+          </a:p>
+          <a:p>
+            <a:pPr lvl="1"/>
+            <a:r>
+              <a:rPr lang="en-US" dirty="0"/>
+              <a:t>ask us</a:t>
+            </a:r>
+            <a:endParaRPr lang="en-GB" dirty="0"/>
+          </a:p>
+          <a:p>
+            <a:pPr lvl="1"/>
+            <a:endParaRPr lang="en-US" dirty="0"/>
+          </a:p>
+          <a:p>
+            <a:r>
+              <a:rPr lang="en-US" dirty="0"/>
+              <a:t>Pizza course</a:t>
+            </a:r>
+          </a:p>
+          <a:p>
+            <a:pPr lvl="1"/>
+            <a:r>
+              <a:rPr lang="en-US" dirty="0"/>
+              <a:t>Start of November, to be announced</a:t>
+            </a:r>
+            <a:br>
+              <a:rPr lang="en-US" dirty="0"/>
+            </a:br>
+            <a:endParaRPr lang="en-US" dirty="0"/>
+          </a:p>
+          <a:p>
+            <a:endParaRPr lang="en-US" dirty="0"/>
+          </a:p>
+          <a:p>
+            <a:endParaRPr lang="en-US" dirty="0"/>
+          </a:p>
+          <a:p>
+            <a:pPr marL="0" indent="0">
+              <a:buNone/>
+            </a:pPr>
+            <a:endParaRPr lang="en-US" dirty="0"/>
+          </a:p>
+        </p:txBody>
+      </p:sp>
+      <p:sp>
+        <p:nvSpPr>
+          <p:cNvPr id="4" name="Date Placeholder 3">
+            <a:extLst>
+              <a:ext uri="{FF2B5EF4-FFF2-40B4-BE49-F238E27FC236}">
+                <a16:creationId xmlns:a16="http://schemas.microsoft.com/office/drawing/2014/main" id="{994954F2-890A-4CBA-AC9A-D821D45158AE}"/>
+              </a:ext>
+            </a:extLst>
+          </p:cNvPr>
+          <p:cNvSpPr>
+            <a:spLocks noGrp="1"/>
+          </p:cNvSpPr>
+          <p:nvPr>
+            <p:ph type="dt" sz="half" idx="10"/>
+          </p:nvPr>
+        </p:nvSpPr>
+        <p:spPr/>
+        <p:txBody>
+          <a:bodyPr/>
+          <a:lstStyle/>
+          <a:p>
             <a:fld id="{10423462-6B27-4736-8FD4-1786EE0BB6CA}" type="datetime1">
               <a:rPr lang="nl-NL" smtClean="0"/>
-              <a:t>1-10-2024</a:t>
+              <a:t>2-10-2024</a:t>
             </a:fld>
             <a:endParaRPr lang="nl-NL"/>
           </a:p>
@@ -15901,7 +16110,7 @@
 </p:sld>
 </file>
 
-<file path=ppt/slides/slide11.xml><?xml version="1.0" encoding="utf-8"?>
+<file path=ppt/slides/slide12.xml><?xml version="1.0" encoding="utf-8"?>
 <p:sld xmlns:a="http://schemas.openxmlformats.org/drawingml/2006/main" xmlns:r="http://schemas.openxmlformats.org/officeDocument/2006/relationships" xmlns:p="http://schemas.openxmlformats.org/presentationml/2006/main">
   <p:cSld>
     <p:spTree>
@@ -16111,7 +16320,7 @@
             <a:fld id="{F42B3F14-D836-496B-80A2-23BE75BD68CB}" type="slidenum">
               <a:rPr lang="en-GB" smtClean="0"/>
               <a:pPr/>
-              <a:t>11</a:t>
+              <a:t>12</a:t>
             </a:fld>
             <a:endParaRPr lang="en-GB" dirty="0"/>
           </a:p>
@@ -16170,7 +16379,7 @@
         <p:spPr>
           <a:xfrm>
             <a:off x="1260000" y="2268000"/>
-            <a:ext cx="2868380" cy="306000"/>
+            <a:ext cx="8762186" cy="306000"/>
           </a:xfrm>
         </p:spPr>
         <p:txBody>
@@ -16178,9 +16387,22 @@
           <a:lstStyle/>
           <a:p>
             <a:r>
+              <a:rPr lang="en-GB" dirty="0">
+                <a:hlinkClick r:id="rId3"/>
+              </a:rPr>
+              <a:t>rob.brinkman@deltares.nl</a:t>
+            </a:r>
+            <a:r>
               <a:rPr lang="en-GB" dirty="0"/>
-              <a:t>rob.brinkman@deltares.nl</a:t>
-            </a:r>
+              <a:t> , </a:t>
+            </a:r>
+            <a:r>
+              <a:rPr lang="en-GB" dirty="0">
+                <a:hlinkClick r:id="rId4"/>
+              </a:rPr>
+              <a:t>edwin.spee@deltares.nl</a:t>
+            </a:r>
+            <a:endParaRPr lang="en-GB" dirty="0"/>
           </a:p>
         </p:txBody>
       </p:sp>
@@ -16436,13 +16658,13 @@
           <a:p>
             <a:r>
               <a:rPr lang="en-GB" dirty="0"/>
-              <a:t>Edwin Spee</a:t>
+              <a:t>Edwin Spee		Karolina Wojciechowska</a:t>
             </a:r>
           </a:p>
           <a:p>
             <a:r>
               <a:rPr lang="en-GB" dirty="0"/>
-              <a:t>Rob Brinkman</a:t>
+              <a:t>Rob Brinkman	Arjen Markus</a:t>
             </a:r>
           </a:p>
         </p:txBody>
@@ -16493,7 +16715,18 @@
           <a:bodyPr/>
           <a:lstStyle/>
           <a:p>
-            <a:endParaRPr lang="en-GB" dirty="0"/>
+            <a:r>
+              <a:rPr lang="en-GB" dirty="0"/>
+              <a:t>2 </a:t>
+            </a:r>
+            <a:r>
+              <a:rPr lang="en-GB" dirty="0" err="1"/>
+              <a:t>oktober</a:t>
+            </a:r>
+            <a:r>
+              <a:rPr lang="en-GB" dirty="0"/>
+              <a:t> 2024</a:t>
+            </a:r>
           </a:p>
         </p:txBody>
       </p:sp>
@@ -28704,7 +28937,7 @@
           <a:p>
             <a:r>
               <a:rPr lang="en-US" dirty="0"/>
-              <a:t>Demo</a:t>
+              <a:t>Demo 1</a:t>
             </a:r>
           </a:p>
         </p:txBody>
@@ -28745,10 +28978,9 @@
           <a:p>
             <a:pPr lvl="1"/>
             <a:r>
-              <a:rPr lang="en-US" dirty="0" err="1"/>
-              <a:t>Hydraring</a:t>
-            </a:r>
-            <a:endParaRPr lang="en-US" dirty="0"/>
+              <a:rPr lang="en-US" dirty="0"/>
+              <a:t>Hydra-Ring</a:t>
+            </a:r>
           </a:p>
           <a:p>
             <a:pPr lvl="1"/>
@@ -29610,6 +29842,17 @@
 </file>
 
 <file path=customXml/item1.xml><?xml version="1.0" encoding="utf-8"?>
+<p:properties xmlns:p="http://schemas.microsoft.com/office/2006/metadata/properties" xmlns:xsi="http://www.w3.org/2001/XMLSchema-instance" xmlns:pc="http://schemas.microsoft.com/office/infopath/2007/PartnerControls">
+  <documentManagement>
+    <TaxCatchAll xmlns="58dc3081-d8a1-4e92-884a-04f6ca0fc63f"/>
+    <TaxKeywordTaxHTField xmlns="9dc10479-9fe1-482d-8b13-fa9fc147c365">
+      <Terms xmlns="http://schemas.microsoft.com/office/infopath/2007/PartnerControls"/>
+    </TaxKeywordTaxHTField>
+  </documentManagement>
+</p:properties>
+</file>
+
+<file path=customXml/item2.xml><?xml version="1.0" encoding="utf-8"?>
 <ct:contentTypeSchema xmlns:ct="http://schemas.microsoft.com/office/2006/metadata/contentType" xmlns:ma="http://schemas.microsoft.com/office/2006/metadata/properties/metaAttributes" ct:_="" ma:_="" ma:contentTypeName="Document" ma:contentTypeID="0x01010080ECBE09418E094297756BB7D28E2B2D" ma:contentTypeVersion="13" ma:contentTypeDescription="Een nieuw document maken." ma:contentTypeScope="" ma:versionID="43c57db1ef9d2047f0afe528fe94cd7b">
   <xsd:schema xmlns:xsd="http://www.w3.org/2001/XMLSchema" xmlns:xs="http://www.w3.org/2001/XMLSchema" xmlns:p="http://schemas.microsoft.com/office/2006/metadata/properties" xmlns:ns2="5db5d4ef-9fd2-45ea-8e34-77d63cce28d8" xmlns:ns3="9dc10479-9fe1-482d-8b13-fa9fc147c365" xmlns:ns4="58dc3081-d8a1-4e92-884a-04f6ca0fc63f" targetNamespace="http://schemas.microsoft.com/office/2006/metadata/properties" ma:root="true" ma:fieldsID="752a5c63f437750ef2cedcd6166ab022" ns2:_="" ns3:_="" ns4:_="">
     <xsd:import namespace="5db5d4ef-9fd2-45ea-8e34-77d63cce28d8"/>
@@ -29831,17 +30074,6 @@
 </ct:contentTypeSchema>
 </file>
 
-<file path=customXml/item2.xml><?xml version="1.0" encoding="utf-8"?>
-<p:properties xmlns:p="http://schemas.microsoft.com/office/2006/metadata/properties" xmlns:xsi="http://www.w3.org/2001/XMLSchema-instance" xmlns:pc="http://schemas.microsoft.com/office/infopath/2007/PartnerControls">
-  <documentManagement>
-    <TaxCatchAll xmlns="58dc3081-d8a1-4e92-884a-04f6ca0fc63f"/>
-    <TaxKeywordTaxHTField xmlns="9dc10479-9fe1-482d-8b13-fa9fc147c365">
-      <Terms xmlns="http://schemas.microsoft.com/office/infopath/2007/PartnerControls"/>
-    </TaxKeywordTaxHTField>
-  </documentManagement>
-</p:properties>
-</file>
-
 <file path=customXml/item3.xml><?xml version="1.0" encoding="utf-8"?>
 <?mso-contentType ?>
 <FormTemplates xmlns="http://schemas.microsoft.com/sharepoint/v3/contenttype/forms">
@@ -29852,6 +30084,17 @@
 </file>
 
 <file path=customXml/itemProps1.xml><?xml version="1.0" encoding="utf-8"?>
+<ds:datastoreItem xmlns:ds="http://schemas.openxmlformats.org/officeDocument/2006/customXml" ds:itemID="{BADF6626-F3CA-4DB6-97F3-50ACA793C97C}">
+  <ds:schemaRefs>
+    <ds:schemaRef ds:uri="http://schemas.microsoft.com/office/2006/metadata/properties"/>
+    <ds:schemaRef ds:uri="http://schemas.microsoft.com/office/infopath/2007/PartnerControls"/>
+    <ds:schemaRef ds:uri="58dc3081-d8a1-4e92-884a-04f6ca0fc63f"/>
+    <ds:schemaRef ds:uri="9dc10479-9fe1-482d-8b13-fa9fc147c365"/>
+  </ds:schemaRefs>
+</ds:datastoreItem>
+</file>
+
+<file path=customXml/itemProps2.xml><?xml version="1.0" encoding="utf-8"?>
 <ds:datastoreItem xmlns:ds="http://schemas.openxmlformats.org/officeDocument/2006/customXml" ds:itemID="{1D7632B3-E712-4A5A-BFB2-E82A8574828D}">
   <ds:schemaRefs>
     <ds:schemaRef ds:uri="http://schemas.microsoft.com/office/2006/metadata/contentType"/>
@@ -29871,17 +30114,6 @@
 </ds:datastoreItem>
 </file>
 
-<file path=customXml/itemProps2.xml><?xml version="1.0" encoding="utf-8"?>
-<ds:datastoreItem xmlns:ds="http://schemas.openxmlformats.org/officeDocument/2006/customXml" ds:itemID="{BADF6626-F3CA-4DB6-97F3-50ACA793C97C}">
-  <ds:schemaRefs>
-    <ds:schemaRef ds:uri="http://schemas.microsoft.com/office/2006/metadata/properties"/>
-    <ds:schemaRef ds:uri="http://schemas.microsoft.com/office/infopath/2007/PartnerControls"/>
-    <ds:schemaRef ds:uri="58dc3081-d8a1-4e92-884a-04f6ca0fc63f"/>
-    <ds:schemaRef ds:uri="9dc10479-9fe1-482d-8b13-fa9fc147c365"/>
-  </ds:schemaRefs>
-</ds:datastoreItem>
-</file>
-
 <file path=customXml/itemProps3.xml><?xml version="1.0" encoding="utf-8"?>
 <ds:datastoreItem xmlns:ds="http://schemas.openxmlformats.org/officeDocument/2006/customXml" ds:itemID="{3BF049C5-34FC-4054-9737-0DAA15D8F6B6}">
   <ds:schemaRefs>

--- a/doc/presentations/Probabilistic Library GFS 2 okt 2024.pptx
+++ b/doc/presentations/Probabilistic Library GFS 2 okt 2024.pptx
@@ -5,10 +5,10 @@
     <p:sldMasterId id="2147483648" r:id="rId4"/>
   </p:sldMasterIdLst>
   <p:notesMasterIdLst>
-    <p:notesMasterId r:id="rId17"/>
+    <p:notesMasterId r:id="rId20"/>
   </p:notesMasterIdLst>
   <p:handoutMasterIdLst>
-    <p:handoutMasterId r:id="rId18"/>
+    <p:handoutMasterId r:id="rId21"/>
   </p:handoutMasterIdLst>
   <p:sldIdLst>
     <p:sldId id="299" r:id="rId5"/>
@@ -19,10 +19,13 @@
     <p:sldId id="303" r:id="rId10"/>
     <p:sldId id="357" r:id="rId11"/>
     <p:sldId id="358" r:id="rId12"/>
-    <p:sldId id="359" r:id="rId13"/>
-    <p:sldId id="360" r:id="rId14"/>
-    <p:sldId id="341" r:id="rId15"/>
-    <p:sldId id="300" r:id="rId16"/>
+    <p:sldId id="361" r:id="rId13"/>
+    <p:sldId id="362" r:id="rId14"/>
+    <p:sldId id="364" r:id="rId15"/>
+    <p:sldId id="359" r:id="rId16"/>
+    <p:sldId id="360" r:id="rId17"/>
+    <p:sldId id="341" r:id="rId18"/>
+    <p:sldId id="300" r:id="rId19"/>
   </p:sldIdLst>
   <p:sldSz cx="12192000" cy="6858000"/>
   <p:notesSz cx="6858000" cy="9144000"/>
@@ -15415,7 +15418,7 @@
           <p:cNvPr id="2" name="Title 1">
             <a:extLst>
               <a:ext uri="{FF2B5EF4-FFF2-40B4-BE49-F238E27FC236}">
-                <a16:creationId xmlns:a16="http://schemas.microsoft.com/office/drawing/2014/main" id="{3025C182-D1B0-6615-245D-1CB692AA42F4}"/>
+                <a16:creationId xmlns:a16="http://schemas.microsoft.com/office/drawing/2014/main" id="{DB376C9D-932E-557C-2120-11E9F3EBA30E}"/>
               </a:ext>
             </a:extLst>
           </p:cNvPr>
@@ -15426,14 +15429,2292 @@
             <p:ph type="title"/>
           </p:nvPr>
         </p:nvSpPr>
-        <p:spPr/>
+        <p:spPr>
+          <a:xfrm>
+            <a:off x="420005" y="326571"/>
+            <a:ext cx="10517113" cy="936000"/>
+          </a:xfrm>
+        </p:spPr>
         <p:txBody>
           <a:bodyPr/>
           <a:lstStyle/>
           <a:p>
             <a:r>
-              <a:rPr lang="nl-NL" dirty="0"/>
-              <a:t>Demo 2</a:t>
+              <a:rPr lang="en-US" dirty="0"/>
+              <a:t>Probabilistic library – Language interface 2</a:t>
+            </a:r>
+          </a:p>
+        </p:txBody>
+      </p:sp>
+      <p:sp>
+        <p:nvSpPr>
+          <p:cNvPr id="4" name="Date Placeholder 3">
+            <a:extLst>
+              <a:ext uri="{FF2B5EF4-FFF2-40B4-BE49-F238E27FC236}">
+                <a16:creationId xmlns:a16="http://schemas.microsoft.com/office/drawing/2014/main" id="{988D0ED6-04EE-86B4-DB69-829AEE692734}"/>
+              </a:ext>
+            </a:extLst>
+          </p:cNvPr>
+          <p:cNvSpPr>
+            <a:spLocks noGrp="1"/>
+          </p:cNvSpPr>
+          <p:nvPr>
+            <p:ph type="dt" sz="half" idx="10"/>
+          </p:nvPr>
+        </p:nvSpPr>
+        <p:spPr/>
+        <p:txBody>
+          <a:bodyPr/>
+          <a:lstStyle/>
+          <a:p>
+            <a:endParaRPr lang="nl-NL"/>
+          </a:p>
+        </p:txBody>
+      </p:sp>
+      <p:sp>
+        <p:nvSpPr>
+          <p:cNvPr id="5" name="Slide Number Placeholder 4">
+            <a:extLst>
+              <a:ext uri="{FF2B5EF4-FFF2-40B4-BE49-F238E27FC236}">
+                <a16:creationId xmlns:a16="http://schemas.microsoft.com/office/drawing/2014/main" id="{6C079ADE-81B7-788D-829D-C538ADF4CC0D}"/>
+              </a:ext>
+            </a:extLst>
+          </p:cNvPr>
+          <p:cNvSpPr>
+            <a:spLocks noGrp="1"/>
+          </p:cNvSpPr>
+          <p:nvPr>
+            <p:ph type="sldNum" sz="quarter" idx="12"/>
+          </p:nvPr>
+        </p:nvSpPr>
+        <p:spPr/>
+        <p:txBody>
+          <a:bodyPr/>
+          <a:lstStyle/>
+          <a:p>
+            <a:fld id="{F42B3F14-D836-496B-80A2-23BE75BD68CB}" type="slidenum">
+              <a:rPr lang="nl-NL" smtClean="0"/>
+              <a:t>10</a:t>
+            </a:fld>
+            <a:endParaRPr lang="nl-NL"/>
+          </a:p>
+        </p:txBody>
+      </p:sp>
+      <p:pic>
+        <p:nvPicPr>
+          <p:cNvPr id="9" name="Picture 8">
+            <a:extLst>
+              <a:ext uri="{FF2B5EF4-FFF2-40B4-BE49-F238E27FC236}">
+                <a16:creationId xmlns:a16="http://schemas.microsoft.com/office/drawing/2014/main" id="{6B45A888-BD21-05B7-3E5E-F6CFF173CDD1}"/>
+              </a:ext>
+            </a:extLst>
+          </p:cNvPr>
+          <p:cNvPicPr>
+            <a:picLocks noChangeAspect="1"/>
+          </p:cNvPicPr>
+          <p:nvPr/>
+        </p:nvPicPr>
+        <p:blipFill>
+          <a:blip r:embed="rId2"/>
+          <a:stretch>
+            <a:fillRect/>
+          </a:stretch>
+        </p:blipFill>
+        <p:spPr>
+          <a:xfrm>
+            <a:off x="8236544" y="1711845"/>
+            <a:ext cx="3577727" cy="1897533"/>
+          </a:xfrm>
+          <a:prstGeom prst="rect">
+            <a:avLst/>
+          </a:prstGeom>
+        </p:spPr>
+      </p:pic>
+      <p:sp>
+        <p:nvSpPr>
+          <p:cNvPr id="11" name="Rectangle 10">
+            <a:extLst>
+              <a:ext uri="{FF2B5EF4-FFF2-40B4-BE49-F238E27FC236}">
+                <a16:creationId xmlns:a16="http://schemas.microsoft.com/office/drawing/2014/main" id="{C60E1E41-2552-3B7A-8CF9-8D4824548DAF}"/>
+              </a:ext>
+            </a:extLst>
+          </p:cNvPr>
+          <p:cNvSpPr/>
+          <p:nvPr/>
+        </p:nvSpPr>
+        <p:spPr>
+          <a:xfrm>
+            <a:off x="8451713" y="1356239"/>
+            <a:ext cx="3249616" cy="4102167"/>
+          </a:xfrm>
+          <a:prstGeom prst="rect">
+            <a:avLst/>
+          </a:prstGeom>
+          <a:noFill/>
+          <a:ln>
+            <a:solidFill>
+              <a:schemeClr val="tx1"/>
+            </a:solidFill>
+          </a:ln>
+        </p:spPr>
+        <p:style>
+          <a:lnRef idx="2">
+            <a:schemeClr val="accent1">
+              <a:shade val="15000"/>
+            </a:schemeClr>
+          </a:lnRef>
+          <a:fillRef idx="1">
+            <a:schemeClr val="accent1"/>
+          </a:fillRef>
+          <a:effectRef idx="0">
+            <a:schemeClr val="accent1"/>
+          </a:effectRef>
+          <a:fontRef idx="minor">
+            <a:schemeClr val="lt1"/>
+          </a:fontRef>
+        </p:style>
+        <p:txBody>
+          <a:bodyPr rtlCol="0" anchor="t"/>
+          <a:lstStyle/>
+          <a:p>
+            <a:r>
+              <a:rPr lang="en-US" dirty="0">
+                <a:solidFill>
+                  <a:schemeClr val="tx1"/>
+                </a:solidFill>
+              </a:rPr>
+              <a:t>C++</a:t>
+            </a:r>
+          </a:p>
+        </p:txBody>
+      </p:sp>
+      <p:sp>
+        <p:nvSpPr>
+          <p:cNvPr id="17" name="Rectangle 16">
+            <a:extLst>
+              <a:ext uri="{FF2B5EF4-FFF2-40B4-BE49-F238E27FC236}">
+                <a16:creationId xmlns:a16="http://schemas.microsoft.com/office/drawing/2014/main" id="{E1B4AA8E-872E-1F82-A5CE-218B6FB74BF0}"/>
+              </a:ext>
+            </a:extLst>
+          </p:cNvPr>
+          <p:cNvSpPr/>
+          <p:nvPr/>
+        </p:nvSpPr>
+        <p:spPr>
+          <a:xfrm>
+            <a:off x="1493446" y="5803073"/>
+            <a:ext cx="1875453" cy="503259"/>
+          </a:xfrm>
+          <a:prstGeom prst="rect">
+            <a:avLst/>
+          </a:prstGeom>
+          <a:solidFill>
+            <a:schemeClr val="tx2">
+              <a:lumMod val="20000"/>
+              <a:lumOff val="80000"/>
+            </a:schemeClr>
+          </a:solidFill>
+        </p:spPr>
+        <p:style>
+          <a:lnRef idx="2">
+            <a:schemeClr val="accent1">
+              <a:shade val="15000"/>
+            </a:schemeClr>
+          </a:lnRef>
+          <a:fillRef idx="1">
+            <a:schemeClr val="accent1"/>
+          </a:fillRef>
+          <a:effectRef idx="0">
+            <a:schemeClr val="accent1"/>
+          </a:effectRef>
+          <a:fontRef idx="minor">
+            <a:schemeClr val="lt1"/>
+          </a:fontRef>
+        </p:style>
+        <p:txBody>
+          <a:bodyPr rtlCol="0" anchor="ctr"/>
+          <a:lstStyle/>
+          <a:p>
+            <a:pPr algn="ctr"/>
+            <a:r>
+              <a:rPr lang="en-US" dirty="0">
+                <a:solidFill>
+                  <a:schemeClr val="tx1"/>
+                </a:solidFill>
+              </a:rPr>
+              <a:t>Shadow class</a:t>
+            </a:r>
+          </a:p>
+        </p:txBody>
+      </p:sp>
+      <p:sp>
+        <p:nvSpPr>
+          <p:cNvPr id="18" name="Rectangle 17">
+            <a:extLst>
+              <a:ext uri="{FF2B5EF4-FFF2-40B4-BE49-F238E27FC236}">
+                <a16:creationId xmlns:a16="http://schemas.microsoft.com/office/drawing/2014/main" id="{A8C1A91C-A46D-C45B-964E-41360D66F2C4}"/>
+              </a:ext>
+            </a:extLst>
+          </p:cNvPr>
+          <p:cNvSpPr/>
+          <p:nvPr/>
+        </p:nvSpPr>
+        <p:spPr>
+          <a:xfrm>
+            <a:off x="9138794" y="5803074"/>
+            <a:ext cx="1875453" cy="503259"/>
+          </a:xfrm>
+          <a:prstGeom prst="rect">
+            <a:avLst/>
+          </a:prstGeom>
+          <a:solidFill>
+            <a:schemeClr val="tx2">
+              <a:lumMod val="20000"/>
+              <a:lumOff val="80000"/>
+            </a:schemeClr>
+          </a:solidFill>
+        </p:spPr>
+        <p:style>
+          <a:lnRef idx="2">
+            <a:schemeClr val="accent1">
+              <a:shade val="15000"/>
+            </a:schemeClr>
+          </a:lnRef>
+          <a:fillRef idx="1">
+            <a:schemeClr val="accent1"/>
+          </a:fillRef>
+          <a:effectRef idx="0">
+            <a:schemeClr val="accent1"/>
+          </a:effectRef>
+          <a:fontRef idx="minor">
+            <a:schemeClr val="lt1"/>
+          </a:fontRef>
+        </p:style>
+        <p:txBody>
+          <a:bodyPr rtlCol="0" anchor="ctr"/>
+          <a:lstStyle/>
+          <a:p>
+            <a:pPr algn="ctr"/>
+            <a:r>
+              <a:rPr lang="en-US" dirty="0">
+                <a:solidFill>
+                  <a:schemeClr val="tx1"/>
+                </a:solidFill>
+              </a:rPr>
+              <a:t>Base class</a:t>
+            </a:r>
+          </a:p>
+        </p:txBody>
+      </p:sp>
+      <p:sp>
+        <p:nvSpPr>
+          <p:cNvPr id="21" name="Arrow: Left-Right 20">
+            <a:extLst>
+              <a:ext uri="{FF2B5EF4-FFF2-40B4-BE49-F238E27FC236}">
+                <a16:creationId xmlns:a16="http://schemas.microsoft.com/office/drawing/2014/main" id="{9272A9E7-F80E-99E9-9568-0572E6BC706E}"/>
+              </a:ext>
+            </a:extLst>
+          </p:cNvPr>
+          <p:cNvSpPr/>
+          <p:nvPr/>
+        </p:nvSpPr>
+        <p:spPr>
+          <a:xfrm>
+            <a:off x="3368899" y="5979624"/>
+            <a:ext cx="5769895" cy="187911"/>
+          </a:xfrm>
+          <a:prstGeom prst="leftRightArrow">
+            <a:avLst/>
+          </a:prstGeom>
+        </p:spPr>
+        <p:style>
+          <a:lnRef idx="2">
+            <a:schemeClr val="accent1">
+              <a:shade val="15000"/>
+            </a:schemeClr>
+          </a:lnRef>
+          <a:fillRef idx="1">
+            <a:schemeClr val="accent1"/>
+          </a:fillRef>
+          <a:effectRef idx="0">
+            <a:schemeClr val="accent1"/>
+          </a:effectRef>
+          <a:fontRef idx="minor">
+            <a:schemeClr val="lt1"/>
+          </a:fontRef>
+        </p:style>
+        <p:txBody>
+          <a:bodyPr rtlCol="0" anchor="ctr"/>
+          <a:lstStyle/>
+          <a:p>
+            <a:pPr algn="ctr"/>
+            <a:endParaRPr lang="en-US"/>
+          </a:p>
+        </p:txBody>
+      </p:sp>
+      <p:sp>
+        <p:nvSpPr>
+          <p:cNvPr id="22" name="Arrow: Left-Right 21">
+            <a:extLst>
+              <a:ext uri="{FF2B5EF4-FFF2-40B4-BE49-F238E27FC236}">
+                <a16:creationId xmlns:a16="http://schemas.microsoft.com/office/drawing/2014/main" id="{FD0FB980-9FBD-FAE9-EB53-9D05B223ACAE}"/>
+              </a:ext>
+            </a:extLst>
+          </p:cNvPr>
+          <p:cNvSpPr/>
+          <p:nvPr/>
+        </p:nvSpPr>
+        <p:spPr>
+          <a:xfrm rot="16200000">
+            <a:off x="2265476" y="5560432"/>
+            <a:ext cx="331392" cy="153889"/>
+          </a:xfrm>
+          <a:prstGeom prst="leftRightArrow">
+            <a:avLst/>
+          </a:prstGeom>
+        </p:spPr>
+        <p:style>
+          <a:lnRef idx="2">
+            <a:schemeClr val="accent1">
+              <a:shade val="15000"/>
+            </a:schemeClr>
+          </a:lnRef>
+          <a:fillRef idx="1">
+            <a:schemeClr val="accent1"/>
+          </a:fillRef>
+          <a:effectRef idx="0">
+            <a:schemeClr val="accent1"/>
+          </a:effectRef>
+          <a:fontRef idx="minor">
+            <a:schemeClr val="lt1"/>
+          </a:fontRef>
+        </p:style>
+        <p:txBody>
+          <a:bodyPr rtlCol="0" anchor="ctr"/>
+          <a:lstStyle/>
+          <a:p>
+            <a:pPr algn="ctr"/>
+            <a:endParaRPr lang="en-US"/>
+          </a:p>
+        </p:txBody>
+      </p:sp>
+      <p:sp>
+        <p:nvSpPr>
+          <p:cNvPr id="23" name="Arrow: Left-Right 22">
+            <a:extLst>
+              <a:ext uri="{FF2B5EF4-FFF2-40B4-BE49-F238E27FC236}">
+                <a16:creationId xmlns:a16="http://schemas.microsoft.com/office/drawing/2014/main" id="{1EF2E0B3-4D18-BEB6-E14B-6343DC46EECC}"/>
+              </a:ext>
+            </a:extLst>
+          </p:cNvPr>
+          <p:cNvSpPr/>
+          <p:nvPr/>
+        </p:nvSpPr>
+        <p:spPr>
+          <a:xfrm rot="16200000">
+            <a:off x="9910824" y="5553796"/>
+            <a:ext cx="331392" cy="153889"/>
+          </a:xfrm>
+          <a:prstGeom prst="leftRightArrow">
+            <a:avLst/>
+          </a:prstGeom>
+        </p:spPr>
+        <p:style>
+          <a:lnRef idx="2">
+            <a:schemeClr val="accent1">
+              <a:shade val="15000"/>
+            </a:schemeClr>
+          </a:lnRef>
+          <a:fillRef idx="1">
+            <a:schemeClr val="accent1"/>
+          </a:fillRef>
+          <a:effectRef idx="0">
+            <a:schemeClr val="accent1"/>
+          </a:effectRef>
+          <a:fontRef idx="minor">
+            <a:schemeClr val="lt1"/>
+          </a:fontRef>
+        </p:style>
+        <p:txBody>
+          <a:bodyPr rtlCol="0" anchor="ctr"/>
+          <a:lstStyle/>
+          <a:p>
+            <a:pPr algn="ctr"/>
+            <a:endParaRPr lang="en-US"/>
+          </a:p>
+        </p:txBody>
+      </p:sp>
+      <p:sp>
+        <p:nvSpPr>
+          <p:cNvPr id="24" name="Rectangle 23">
+            <a:extLst>
+              <a:ext uri="{FF2B5EF4-FFF2-40B4-BE49-F238E27FC236}">
+                <a16:creationId xmlns:a16="http://schemas.microsoft.com/office/drawing/2014/main" id="{64EB443E-99DA-D66C-EE40-9730D58E0408}"/>
+              </a:ext>
+            </a:extLst>
+          </p:cNvPr>
+          <p:cNvSpPr/>
+          <p:nvPr/>
+        </p:nvSpPr>
+        <p:spPr>
+          <a:xfrm>
+            <a:off x="377730" y="1350855"/>
+            <a:ext cx="7858814" cy="4102166"/>
+          </a:xfrm>
+          <a:prstGeom prst="rect">
+            <a:avLst/>
+          </a:prstGeom>
+          <a:solidFill>
+            <a:schemeClr val="bg1"/>
+          </a:solidFill>
+          <a:ln>
+            <a:solidFill>
+              <a:schemeClr val="tx1"/>
+            </a:solidFill>
+          </a:ln>
+        </p:spPr>
+        <p:style>
+          <a:lnRef idx="2">
+            <a:schemeClr val="accent1">
+              <a:shade val="15000"/>
+            </a:schemeClr>
+          </a:lnRef>
+          <a:fillRef idx="1">
+            <a:schemeClr val="accent1"/>
+          </a:fillRef>
+          <a:effectRef idx="0">
+            <a:schemeClr val="accent1"/>
+          </a:effectRef>
+          <a:fontRef idx="minor">
+            <a:schemeClr val="lt1"/>
+          </a:fontRef>
+        </p:style>
+        <p:txBody>
+          <a:bodyPr rtlCol="0" anchor="t"/>
+          <a:lstStyle/>
+          <a:p>
+            <a:r>
+              <a:rPr lang="en-US" dirty="0">
+                <a:solidFill>
+                  <a:schemeClr val="tx1"/>
+                </a:solidFill>
+              </a:rPr>
+              <a:t>C++ / CLI</a:t>
+            </a:r>
+          </a:p>
+        </p:txBody>
+      </p:sp>
+      <p:pic>
+        <p:nvPicPr>
+          <p:cNvPr id="25" name="Picture 24">
+            <a:extLst>
+              <a:ext uri="{FF2B5EF4-FFF2-40B4-BE49-F238E27FC236}">
+                <a16:creationId xmlns:a16="http://schemas.microsoft.com/office/drawing/2014/main" id="{290B000B-3421-BFC7-82C0-03938C921ED9}"/>
+              </a:ext>
+            </a:extLst>
+          </p:cNvPr>
+          <p:cNvPicPr>
+            <a:picLocks noChangeAspect="1"/>
+          </p:cNvPicPr>
+          <p:nvPr/>
+        </p:nvPicPr>
+        <p:blipFill>
+          <a:blip r:embed="rId3"/>
+          <a:stretch>
+            <a:fillRect/>
+          </a:stretch>
+        </p:blipFill>
+        <p:spPr>
+          <a:xfrm>
+            <a:off x="590681" y="1707103"/>
+            <a:ext cx="6299213" cy="3304368"/>
+          </a:xfrm>
+          <a:prstGeom prst="rect">
+            <a:avLst/>
+          </a:prstGeom>
+        </p:spPr>
+      </p:pic>
+    </p:spTree>
+    <p:extLst>
+      <p:ext uri="{BB962C8B-B14F-4D97-AF65-F5344CB8AC3E}">
+        <p14:creationId xmlns:p14="http://schemas.microsoft.com/office/powerpoint/2010/main" val="2989404145"/>
+      </p:ext>
+    </p:extLst>
+  </p:cSld>
+  <p:clrMapOvr>
+    <a:masterClrMapping/>
+  </p:clrMapOvr>
+  <p:timing>
+    <p:tnLst>
+      <p:par>
+        <p:cTn id="1" dur="indefinite" restart="never" nodeType="tmRoot">
+          <p:childTnLst>
+            <p:seq concurrent="1" nextAc="seek">
+              <p:cTn id="2" dur="indefinite" nodeType="mainSeq">
+                <p:childTnLst>
+                  <p:par>
+                    <p:cTn id="3" fill="hold">
+                      <p:stCondLst>
+                        <p:cond delay="indefinite"/>
+                      </p:stCondLst>
+                      <p:childTnLst>
+                        <p:par>
+                          <p:cTn id="4" fill="hold">
+                            <p:stCondLst>
+                              <p:cond delay="0"/>
+                            </p:stCondLst>
+                            <p:childTnLst>
+                              <p:par>
+                                <p:cTn id="5" presetID="1" presetClass="entr" presetSubtype="0" fill="hold" grpId="0" nodeType="clickEffect">
+                                  <p:stCondLst>
+                                    <p:cond delay="0"/>
+                                  </p:stCondLst>
+                                  <p:childTnLst>
+                                    <p:set>
+                                      <p:cBhvr>
+                                        <p:cTn id="6" dur="1" fill="hold">
+                                          <p:stCondLst>
+                                            <p:cond delay="0"/>
+                                          </p:stCondLst>
+                                        </p:cTn>
+                                        <p:tgtEl>
+                                          <p:spTgt spid="11"/>
+                                        </p:tgtEl>
+                                        <p:attrNameLst>
+                                          <p:attrName>style.visibility</p:attrName>
+                                        </p:attrNameLst>
+                                      </p:cBhvr>
+                                      <p:to>
+                                        <p:strVal val="visible"/>
+                                      </p:to>
+                                    </p:set>
+                                  </p:childTnLst>
+                                </p:cTn>
+                              </p:par>
+                              <p:par>
+                                <p:cTn id="7" presetID="1" presetClass="entr" presetSubtype="0" fill="hold" nodeType="withEffect">
+                                  <p:stCondLst>
+                                    <p:cond delay="0"/>
+                                  </p:stCondLst>
+                                  <p:childTnLst>
+                                    <p:set>
+                                      <p:cBhvr>
+                                        <p:cTn id="8" dur="1" fill="hold">
+                                          <p:stCondLst>
+                                            <p:cond delay="0"/>
+                                          </p:stCondLst>
+                                        </p:cTn>
+                                        <p:tgtEl>
+                                          <p:spTgt spid="9"/>
+                                        </p:tgtEl>
+                                        <p:attrNameLst>
+                                          <p:attrName>style.visibility</p:attrName>
+                                        </p:attrNameLst>
+                                      </p:cBhvr>
+                                      <p:to>
+                                        <p:strVal val="visible"/>
+                                      </p:to>
+                                    </p:set>
+                                  </p:childTnLst>
+                                </p:cTn>
+                              </p:par>
+                            </p:childTnLst>
+                          </p:cTn>
+                        </p:par>
+                      </p:childTnLst>
+                    </p:cTn>
+                  </p:par>
+                  <p:par>
+                    <p:cTn id="9" fill="hold">
+                      <p:stCondLst>
+                        <p:cond delay="indefinite"/>
+                      </p:stCondLst>
+                      <p:childTnLst>
+                        <p:par>
+                          <p:cTn id="10" fill="hold">
+                            <p:stCondLst>
+                              <p:cond delay="0"/>
+                            </p:stCondLst>
+                            <p:childTnLst>
+                              <p:par>
+                                <p:cTn id="11" presetID="1" presetClass="entr" presetSubtype="0" fill="hold" grpId="0" nodeType="clickEffect">
+                                  <p:stCondLst>
+                                    <p:cond delay="0"/>
+                                  </p:stCondLst>
+                                  <p:childTnLst>
+                                    <p:set>
+                                      <p:cBhvr>
+                                        <p:cTn id="12" dur="1" fill="hold">
+                                          <p:stCondLst>
+                                            <p:cond delay="0"/>
+                                          </p:stCondLst>
+                                        </p:cTn>
+                                        <p:tgtEl>
+                                          <p:spTgt spid="22"/>
+                                        </p:tgtEl>
+                                        <p:attrNameLst>
+                                          <p:attrName>style.visibility</p:attrName>
+                                        </p:attrNameLst>
+                                      </p:cBhvr>
+                                      <p:to>
+                                        <p:strVal val="visible"/>
+                                      </p:to>
+                                    </p:set>
+                                  </p:childTnLst>
+                                </p:cTn>
+                              </p:par>
+                              <p:par>
+                                <p:cTn id="13" presetID="1" presetClass="entr" presetSubtype="0" fill="hold" grpId="0" nodeType="withEffect">
+                                  <p:stCondLst>
+                                    <p:cond delay="0"/>
+                                  </p:stCondLst>
+                                  <p:childTnLst>
+                                    <p:set>
+                                      <p:cBhvr>
+                                        <p:cTn id="14" dur="1" fill="hold">
+                                          <p:stCondLst>
+                                            <p:cond delay="0"/>
+                                          </p:stCondLst>
+                                        </p:cTn>
+                                        <p:tgtEl>
+                                          <p:spTgt spid="17"/>
+                                        </p:tgtEl>
+                                        <p:attrNameLst>
+                                          <p:attrName>style.visibility</p:attrName>
+                                        </p:attrNameLst>
+                                      </p:cBhvr>
+                                      <p:to>
+                                        <p:strVal val="visible"/>
+                                      </p:to>
+                                    </p:set>
+                                  </p:childTnLst>
+                                </p:cTn>
+                              </p:par>
+                              <p:par>
+                                <p:cTn id="15" presetID="1" presetClass="entr" presetSubtype="0" fill="hold" grpId="0" nodeType="withEffect">
+                                  <p:stCondLst>
+                                    <p:cond delay="0"/>
+                                  </p:stCondLst>
+                                  <p:childTnLst>
+                                    <p:set>
+                                      <p:cBhvr>
+                                        <p:cTn id="16" dur="1" fill="hold">
+                                          <p:stCondLst>
+                                            <p:cond delay="0"/>
+                                          </p:stCondLst>
+                                        </p:cTn>
+                                        <p:tgtEl>
+                                          <p:spTgt spid="21"/>
+                                        </p:tgtEl>
+                                        <p:attrNameLst>
+                                          <p:attrName>style.visibility</p:attrName>
+                                        </p:attrNameLst>
+                                      </p:cBhvr>
+                                      <p:to>
+                                        <p:strVal val="visible"/>
+                                      </p:to>
+                                    </p:set>
+                                  </p:childTnLst>
+                                </p:cTn>
+                              </p:par>
+                              <p:par>
+                                <p:cTn id="17" presetID="1" presetClass="entr" presetSubtype="0" fill="hold" grpId="0" nodeType="withEffect">
+                                  <p:stCondLst>
+                                    <p:cond delay="0"/>
+                                  </p:stCondLst>
+                                  <p:childTnLst>
+                                    <p:set>
+                                      <p:cBhvr>
+                                        <p:cTn id="18" dur="1" fill="hold">
+                                          <p:stCondLst>
+                                            <p:cond delay="0"/>
+                                          </p:stCondLst>
+                                        </p:cTn>
+                                        <p:tgtEl>
+                                          <p:spTgt spid="18"/>
+                                        </p:tgtEl>
+                                        <p:attrNameLst>
+                                          <p:attrName>style.visibility</p:attrName>
+                                        </p:attrNameLst>
+                                      </p:cBhvr>
+                                      <p:to>
+                                        <p:strVal val="visible"/>
+                                      </p:to>
+                                    </p:set>
+                                  </p:childTnLst>
+                                </p:cTn>
+                              </p:par>
+                              <p:par>
+                                <p:cTn id="19" presetID="1" presetClass="entr" presetSubtype="0" fill="hold" grpId="0" nodeType="withEffect">
+                                  <p:stCondLst>
+                                    <p:cond delay="0"/>
+                                  </p:stCondLst>
+                                  <p:childTnLst>
+                                    <p:set>
+                                      <p:cBhvr>
+                                        <p:cTn id="20" dur="1" fill="hold">
+                                          <p:stCondLst>
+                                            <p:cond delay="0"/>
+                                          </p:stCondLst>
+                                        </p:cTn>
+                                        <p:tgtEl>
+                                          <p:spTgt spid="23"/>
+                                        </p:tgtEl>
+                                        <p:attrNameLst>
+                                          <p:attrName>style.visibility</p:attrName>
+                                        </p:attrNameLst>
+                                      </p:cBhvr>
+                                      <p:to>
+                                        <p:strVal val="visible"/>
+                                      </p:to>
+                                    </p:set>
+                                  </p:childTnLst>
+                                </p:cTn>
+                              </p:par>
+                              <p:par>
+                                <p:cTn id="21" presetID="1" presetClass="entr" presetSubtype="0" fill="hold" grpId="0" nodeType="withEffect">
+                                  <p:stCondLst>
+                                    <p:cond delay="0"/>
+                                  </p:stCondLst>
+                                  <p:childTnLst>
+                                    <p:set>
+                                      <p:cBhvr>
+                                        <p:cTn id="22" dur="1" fill="hold">
+                                          <p:stCondLst>
+                                            <p:cond delay="0"/>
+                                          </p:stCondLst>
+                                        </p:cTn>
+                                        <p:tgtEl>
+                                          <p:spTgt spid="24"/>
+                                        </p:tgtEl>
+                                        <p:attrNameLst>
+                                          <p:attrName>style.visibility</p:attrName>
+                                        </p:attrNameLst>
+                                      </p:cBhvr>
+                                      <p:to>
+                                        <p:strVal val="visible"/>
+                                      </p:to>
+                                    </p:set>
+                                  </p:childTnLst>
+                                </p:cTn>
+                              </p:par>
+                              <p:par>
+                                <p:cTn id="23" presetID="1" presetClass="entr" presetSubtype="0" fill="hold" nodeType="withEffect">
+                                  <p:stCondLst>
+                                    <p:cond delay="0"/>
+                                  </p:stCondLst>
+                                  <p:childTnLst>
+                                    <p:set>
+                                      <p:cBhvr>
+                                        <p:cTn id="24" dur="1" fill="hold">
+                                          <p:stCondLst>
+                                            <p:cond delay="0"/>
+                                          </p:stCondLst>
+                                        </p:cTn>
+                                        <p:tgtEl>
+                                          <p:spTgt spid="25"/>
+                                        </p:tgtEl>
+                                        <p:attrNameLst>
+                                          <p:attrName>style.visibility</p:attrName>
+                                        </p:attrNameLst>
+                                      </p:cBhvr>
+                                      <p:to>
+                                        <p:strVal val="visible"/>
+                                      </p:to>
+                                    </p:set>
+                                  </p:childTnLst>
+                                </p:cTn>
+                              </p:par>
+                            </p:childTnLst>
+                          </p:cTn>
+                        </p:par>
+                      </p:childTnLst>
+                    </p:cTn>
+                  </p:par>
+                </p:childTnLst>
+              </p:cTn>
+              <p:prevCondLst>
+                <p:cond evt="onPrev" delay="0">
+                  <p:tgtEl>
+                    <p:sldTgt/>
+                  </p:tgtEl>
+                </p:cond>
+              </p:prevCondLst>
+              <p:nextCondLst>
+                <p:cond evt="onNext" delay="0">
+                  <p:tgtEl>
+                    <p:sldTgt/>
+                  </p:tgtEl>
+                </p:cond>
+              </p:nextCondLst>
+            </p:seq>
+          </p:childTnLst>
+        </p:cTn>
+      </p:par>
+    </p:tnLst>
+    <p:bldLst>
+      <p:bldP spid="11" grpId="0" animBg="1"/>
+      <p:bldP spid="17" grpId="0" animBg="1"/>
+      <p:bldP spid="18" grpId="0" animBg="1"/>
+      <p:bldP spid="21" grpId="0" animBg="1"/>
+      <p:bldP spid="22" grpId="0" animBg="1"/>
+      <p:bldP spid="23" grpId="0" animBg="1"/>
+      <p:bldP spid="24" grpId="0" animBg="1"/>
+    </p:bldLst>
+  </p:timing>
+</p:sld>
+</file>
+
+<file path=ppt/slides/slide11.xml><?xml version="1.0" encoding="utf-8"?>
+<p:sld xmlns:a="http://schemas.openxmlformats.org/drawingml/2006/main" xmlns:r="http://schemas.openxmlformats.org/officeDocument/2006/relationships" xmlns:p="http://schemas.openxmlformats.org/presentationml/2006/main">
+  <p:cSld>
+    <p:spTree>
+      <p:nvGrpSpPr>
+        <p:cNvPr id="1" name=""/>
+        <p:cNvGrpSpPr/>
+        <p:nvPr/>
+      </p:nvGrpSpPr>
+      <p:grpSpPr>
+        <a:xfrm>
+          <a:off x="0" y="0"/>
+          <a:ext cx="0" cy="0"/>
+          <a:chOff x="0" y="0"/>
+          <a:chExt cx="0" cy="0"/>
+        </a:xfrm>
+      </p:grpSpPr>
+      <p:sp>
+        <p:nvSpPr>
+          <p:cNvPr id="2" name="Title 1">
+            <a:extLst>
+              <a:ext uri="{FF2B5EF4-FFF2-40B4-BE49-F238E27FC236}">
+                <a16:creationId xmlns:a16="http://schemas.microsoft.com/office/drawing/2014/main" id="{DB376C9D-932E-557C-2120-11E9F3EBA30E}"/>
+              </a:ext>
+            </a:extLst>
+          </p:cNvPr>
+          <p:cNvSpPr>
+            <a:spLocks noGrp="1"/>
+          </p:cNvSpPr>
+          <p:nvPr>
+            <p:ph type="title"/>
+          </p:nvPr>
+        </p:nvSpPr>
+        <p:spPr>
+          <a:xfrm>
+            <a:off x="420005" y="326571"/>
+            <a:ext cx="10517113" cy="936000"/>
+          </a:xfrm>
+        </p:spPr>
+        <p:txBody>
+          <a:bodyPr/>
+          <a:lstStyle/>
+          <a:p>
+            <a:r>
+              <a:rPr lang="en-US" dirty="0"/>
+              <a:t>Probabilistic library – Language interface 3</a:t>
+            </a:r>
+          </a:p>
+        </p:txBody>
+      </p:sp>
+      <p:sp>
+        <p:nvSpPr>
+          <p:cNvPr id="4" name="Date Placeholder 3">
+            <a:extLst>
+              <a:ext uri="{FF2B5EF4-FFF2-40B4-BE49-F238E27FC236}">
+                <a16:creationId xmlns:a16="http://schemas.microsoft.com/office/drawing/2014/main" id="{988D0ED6-04EE-86B4-DB69-829AEE692734}"/>
+              </a:ext>
+            </a:extLst>
+          </p:cNvPr>
+          <p:cNvSpPr>
+            <a:spLocks noGrp="1"/>
+          </p:cNvSpPr>
+          <p:nvPr>
+            <p:ph type="dt" sz="half" idx="10"/>
+          </p:nvPr>
+        </p:nvSpPr>
+        <p:spPr/>
+        <p:txBody>
+          <a:bodyPr/>
+          <a:lstStyle/>
+          <a:p>
+            <a:endParaRPr lang="nl-NL"/>
+          </a:p>
+        </p:txBody>
+      </p:sp>
+      <p:sp>
+        <p:nvSpPr>
+          <p:cNvPr id="5" name="Slide Number Placeholder 4">
+            <a:extLst>
+              <a:ext uri="{FF2B5EF4-FFF2-40B4-BE49-F238E27FC236}">
+                <a16:creationId xmlns:a16="http://schemas.microsoft.com/office/drawing/2014/main" id="{6C079ADE-81B7-788D-829D-C538ADF4CC0D}"/>
+              </a:ext>
+            </a:extLst>
+          </p:cNvPr>
+          <p:cNvSpPr>
+            <a:spLocks noGrp="1"/>
+          </p:cNvSpPr>
+          <p:nvPr>
+            <p:ph type="sldNum" sz="quarter" idx="12"/>
+          </p:nvPr>
+        </p:nvSpPr>
+        <p:spPr/>
+        <p:txBody>
+          <a:bodyPr/>
+          <a:lstStyle/>
+          <a:p>
+            <a:fld id="{F42B3F14-D836-496B-80A2-23BE75BD68CB}" type="slidenum">
+              <a:rPr lang="nl-NL" smtClean="0"/>
+              <a:t>11</a:t>
+            </a:fld>
+            <a:endParaRPr lang="nl-NL"/>
+          </a:p>
+        </p:txBody>
+      </p:sp>
+      <p:sp>
+        <p:nvSpPr>
+          <p:cNvPr id="17" name="Rectangle 16">
+            <a:extLst>
+              <a:ext uri="{FF2B5EF4-FFF2-40B4-BE49-F238E27FC236}">
+                <a16:creationId xmlns:a16="http://schemas.microsoft.com/office/drawing/2014/main" id="{E1B4AA8E-872E-1F82-A5CE-218B6FB74BF0}"/>
+              </a:ext>
+            </a:extLst>
+          </p:cNvPr>
+          <p:cNvSpPr/>
+          <p:nvPr/>
+        </p:nvSpPr>
+        <p:spPr>
+          <a:xfrm>
+            <a:off x="4542671" y="5821949"/>
+            <a:ext cx="1875453" cy="503259"/>
+          </a:xfrm>
+          <a:prstGeom prst="rect">
+            <a:avLst/>
+          </a:prstGeom>
+          <a:solidFill>
+            <a:schemeClr val="tx2">
+              <a:lumMod val="20000"/>
+              <a:lumOff val="80000"/>
+            </a:schemeClr>
+          </a:solidFill>
+        </p:spPr>
+        <p:style>
+          <a:lnRef idx="2">
+            <a:schemeClr val="accent1">
+              <a:shade val="15000"/>
+            </a:schemeClr>
+          </a:lnRef>
+          <a:fillRef idx="1">
+            <a:schemeClr val="accent1"/>
+          </a:fillRef>
+          <a:effectRef idx="0">
+            <a:schemeClr val="accent1"/>
+          </a:effectRef>
+          <a:fontRef idx="minor">
+            <a:schemeClr val="lt1"/>
+          </a:fontRef>
+        </p:style>
+        <p:txBody>
+          <a:bodyPr rtlCol="0" anchor="ctr"/>
+          <a:lstStyle/>
+          <a:p>
+            <a:pPr algn="ctr"/>
+            <a:r>
+              <a:rPr lang="en-US" dirty="0">
+                <a:solidFill>
+                  <a:schemeClr val="tx1"/>
+                </a:solidFill>
+              </a:rPr>
+              <a:t>Shadow class</a:t>
+            </a:r>
+          </a:p>
+        </p:txBody>
+      </p:sp>
+      <p:sp>
+        <p:nvSpPr>
+          <p:cNvPr id="18" name="Rectangle 17">
+            <a:extLst>
+              <a:ext uri="{FF2B5EF4-FFF2-40B4-BE49-F238E27FC236}">
+                <a16:creationId xmlns:a16="http://schemas.microsoft.com/office/drawing/2014/main" id="{A8C1A91C-A46D-C45B-964E-41360D66F2C4}"/>
+              </a:ext>
+            </a:extLst>
+          </p:cNvPr>
+          <p:cNvSpPr/>
+          <p:nvPr/>
+        </p:nvSpPr>
+        <p:spPr>
+          <a:xfrm>
+            <a:off x="802662" y="5813511"/>
+            <a:ext cx="1875453" cy="503259"/>
+          </a:xfrm>
+          <a:prstGeom prst="rect">
+            <a:avLst/>
+          </a:prstGeom>
+          <a:solidFill>
+            <a:schemeClr val="tx2">
+              <a:lumMod val="20000"/>
+              <a:lumOff val="80000"/>
+            </a:schemeClr>
+          </a:solidFill>
+        </p:spPr>
+        <p:style>
+          <a:lnRef idx="2">
+            <a:schemeClr val="accent1">
+              <a:shade val="15000"/>
+            </a:schemeClr>
+          </a:lnRef>
+          <a:fillRef idx="1">
+            <a:schemeClr val="accent1"/>
+          </a:fillRef>
+          <a:effectRef idx="0">
+            <a:schemeClr val="accent1"/>
+          </a:effectRef>
+          <a:fontRef idx="minor">
+            <a:schemeClr val="lt1"/>
+          </a:fontRef>
+        </p:style>
+        <p:txBody>
+          <a:bodyPr rtlCol="0" anchor="ctr"/>
+          <a:lstStyle/>
+          <a:p>
+            <a:pPr algn="ctr"/>
+            <a:r>
+              <a:rPr lang="en-US" dirty="0">
+                <a:solidFill>
+                  <a:schemeClr val="tx1"/>
+                </a:solidFill>
+              </a:rPr>
+              <a:t>Base class</a:t>
+            </a:r>
+          </a:p>
+        </p:txBody>
+      </p:sp>
+      <p:sp>
+        <p:nvSpPr>
+          <p:cNvPr id="21" name="Arrow: Left-Right 20">
+            <a:extLst>
+              <a:ext uri="{FF2B5EF4-FFF2-40B4-BE49-F238E27FC236}">
+                <a16:creationId xmlns:a16="http://schemas.microsoft.com/office/drawing/2014/main" id="{9272A9E7-F80E-99E9-9568-0572E6BC706E}"/>
+              </a:ext>
+            </a:extLst>
+          </p:cNvPr>
+          <p:cNvSpPr/>
+          <p:nvPr/>
+        </p:nvSpPr>
+        <p:spPr>
+          <a:xfrm>
+            <a:off x="2678116" y="5979624"/>
+            <a:ext cx="1875454" cy="216990"/>
+          </a:xfrm>
+          <a:prstGeom prst="leftRightArrow">
+            <a:avLst/>
+          </a:prstGeom>
+        </p:spPr>
+        <p:style>
+          <a:lnRef idx="2">
+            <a:schemeClr val="accent1">
+              <a:shade val="15000"/>
+            </a:schemeClr>
+          </a:lnRef>
+          <a:fillRef idx="1">
+            <a:schemeClr val="accent1"/>
+          </a:fillRef>
+          <a:effectRef idx="0">
+            <a:schemeClr val="accent1"/>
+          </a:effectRef>
+          <a:fontRef idx="minor">
+            <a:schemeClr val="lt1"/>
+          </a:fontRef>
+        </p:style>
+        <p:txBody>
+          <a:bodyPr rtlCol="0" anchor="ctr"/>
+          <a:lstStyle/>
+          <a:p>
+            <a:pPr algn="ctr"/>
+            <a:endParaRPr lang="en-US"/>
+          </a:p>
+        </p:txBody>
+      </p:sp>
+      <p:sp>
+        <p:nvSpPr>
+          <p:cNvPr id="22" name="Arrow: Left-Right 21">
+            <a:extLst>
+              <a:ext uri="{FF2B5EF4-FFF2-40B4-BE49-F238E27FC236}">
+                <a16:creationId xmlns:a16="http://schemas.microsoft.com/office/drawing/2014/main" id="{FD0FB980-9FBD-FAE9-EB53-9D05B223ACAE}"/>
+              </a:ext>
+            </a:extLst>
+          </p:cNvPr>
+          <p:cNvSpPr/>
+          <p:nvPr/>
+        </p:nvSpPr>
+        <p:spPr>
+          <a:xfrm rot="16200000">
+            <a:off x="1619683" y="5538914"/>
+            <a:ext cx="395303" cy="153891"/>
+          </a:xfrm>
+          <a:prstGeom prst="leftRightArrow">
+            <a:avLst/>
+          </a:prstGeom>
+        </p:spPr>
+        <p:style>
+          <a:lnRef idx="2">
+            <a:schemeClr val="accent1">
+              <a:shade val="15000"/>
+            </a:schemeClr>
+          </a:lnRef>
+          <a:fillRef idx="1">
+            <a:schemeClr val="accent1"/>
+          </a:fillRef>
+          <a:effectRef idx="0">
+            <a:schemeClr val="accent1"/>
+          </a:effectRef>
+          <a:fontRef idx="minor">
+            <a:schemeClr val="lt1"/>
+          </a:fontRef>
+        </p:style>
+        <p:txBody>
+          <a:bodyPr rtlCol="0" anchor="ctr"/>
+          <a:lstStyle/>
+          <a:p>
+            <a:pPr algn="ctr"/>
+            <a:endParaRPr lang="en-US"/>
+          </a:p>
+        </p:txBody>
+      </p:sp>
+      <p:pic>
+        <p:nvPicPr>
+          <p:cNvPr id="12" name="Picture 11">
+            <a:extLst>
+              <a:ext uri="{FF2B5EF4-FFF2-40B4-BE49-F238E27FC236}">
+                <a16:creationId xmlns:a16="http://schemas.microsoft.com/office/drawing/2014/main" id="{3FBC2D74-4F07-6A8A-51E2-57AD822676F3}"/>
+              </a:ext>
+            </a:extLst>
+          </p:cNvPr>
+          <p:cNvPicPr>
+            <a:picLocks noChangeAspect="1"/>
+          </p:cNvPicPr>
+          <p:nvPr/>
+        </p:nvPicPr>
+        <p:blipFill>
+          <a:blip r:embed="rId2"/>
+          <a:stretch>
+            <a:fillRect/>
+          </a:stretch>
+        </p:blipFill>
+        <p:spPr>
+          <a:xfrm>
+            <a:off x="3753605" y="1794712"/>
+            <a:ext cx="3464207" cy="2954163"/>
+          </a:xfrm>
+          <a:prstGeom prst="rect">
+            <a:avLst/>
+          </a:prstGeom>
+        </p:spPr>
+      </p:pic>
+      <p:pic>
+        <p:nvPicPr>
+          <p:cNvPr id="20" name="Picture 19">
+            <a:extLst>
+              <a:ext uri="{FF2B5EF4-FFF2-40B4-BE49-F238E27FC236}">
+                <a16:creationId xmlns:a16="http://schemas.microsoft.com/office/drawing/2014/main" id="{F1513A12-2007-DDD0-9691-1EE655A05E2A}"/>
+              </a:ext>
+            </a:extLst>
+          </p:cNvPr>
+          <p:cNvPicPr>
+            <a:picLocks noChangeAspect="1"/>
+          </p:cNvPicPr>
+          <p:nvPr/>
+        </p:nvPicPr>
+        <p:blipFill>
+          <a:blip r:embed="rId3"/>
+          <a:stretch>
+            <a:fillRect/>
+          </a:stretch>
+        </p:blipFill>
+        <p:spPr>
+          <a:xfrm>
+            <a:off x="223643" y="1853154"/>
+            <a:ext cx="3272165" cy="2895721"/>
+          </a:xfrm>
+          <a:prstGeom prst="rect">
+            <a:avLst/>
+          </a:prstGeom>
+        </p:spPr>
+      </p:pic>
+      <p:sp>
+        <p:nvSpPr>
+          <p:cNvPr id="11" name="Rectangle 10">
+            <a:extLst>
+              <a:ext uri="{FF2B5EF4-FFF2-40B4-BE49-F238E27FC236}">
+                <a16:creationId xmlns:a16="http://schemas.microsoft.com/office/drawing/2014/main" id="{C60E1E41-2552-3B7A-8CF9-8D4824548DAF}"/>
+              </a:ext>
+            </a:extLst>
+          </p:cNvPr>
+          <p:cNvSpPr/>
+          <p:nvPr/>
+        </p:nvSpPr>
+        <p:spPr>
+          <a:xfrm>
+            <a:off x="204358" y="1316041"/>
+            <a:ext cx="3249616" cy="4102167"/>
+          </a:xfrm>
+          <a:prstGeom prst="rect">
+            <a:avLst/>
+          </a:prstGeom>
+          <a:noFill/>
+          <a:ln>
+            <a:solidFill>
+              <a:schemeClr val="tx1"/>
+            </a:solidFill>
+          </a:ln>
+        </p:spPr>
+        <p:style>
+          <a:lnRef idx="2">
+            <a:schemeClr val="accent1">
+              <a:shade val="15000"/>
+            </a:schemeClr>
+          </a:lnRef>
+          <a:fillRef idx="1">
+            <a:schemeClr val="accent1"/>
+          </a:fillRef>
+          <a:effectRef idx="0">
+            <a:schemeClr val="accent1"/>
+          </a:effectRef>
+          <a:fontRef idx="minor">
+            <a:schemeClr val="lt1"/>
+          </a:fontRef>
+        </p:style>
+        <p:txBody>
+          <a:bodyPr rtlCol="0" anchor="t"/>
+          <a:lstStyle/>
+          <a:p>
+            <a:r>
+              <a:rPr lang="en-US" dirty="0">
+                <a:solidFill>
+                  <a:schemeClr val="tx1"/>
+                </a:solidFill>
+              </a:rPr>
+              <a:t>C# / PTK</a:t>
+            </a:r>
+          </a:p>
+        </p:txBody>
+      </p:sp>
+      <p:sp>
+        <p:nvSpPr>
+          <p:cNvPr id="10" name="Rectangle 9">
+            <a:extLst>
+              <a:ext uri="{FF2B5EF4-FFF2-40B4-BE49-F238E27FC236}">
+                <a16:creationId xmlns:a16="http://schemas.microsoft.com/office/drawing/2014/main" id="{3A2CB46B-D313-87B6-0E1E-4FA39FD50821}"/>
+              </a:ext>
+            </a:extLst>
+          </p:cNvPr>
+          <p:cNvSpPr/>
+          <p:nvPr/>
+        </p:nvSpPr>
+        <p:spPr>
+          <a:xfrm>
+            <a:off x="3609202" y="1316041"/>
+            <a:ext cx="3359770" cy="4102167"/>
+          </a:xfrm>
+          <a:prstGeom prst="rect">
+            <a:avLst/>
+          </a:prstGeom>
+          <a:noFill/>
+          <a:ln>
+            <a:solidFill>
+              <a:schemeClr val="tx1"/>
+            </a:solidFill>
+          </a:ln>
+        </p:spPr>
+        <p:style>
+          <a:lnRef idx="2">
+            <a:schemeClr val="accent1">
+              <a:shade val="15000"/>
+            </a:schemeClr>
+          </a:lnRef>
+          <a:fillRef idx="1">
+            <a:schemeClr val="accent1"/>
+          </a:fillRef>
+          <a:effectRef idx="0">
+            <a:schemeClr val="accent1"/>
+          </a:effectRef>
+          <a:fontRef idx="minor">
+            <a:schemeClr val="lt1"/>
+          </a:fontRef>
+        </p:style>
+        <p:txBody>
+          <a:bodyPr rtlCol="0" anchor="t"/>
+          <a:lstStyle/>
+          <a:p>
+            <a:r>
+              <a:rPr lang="en-US" dirty="0">
+                <a:solidFill>
+                  <a:schemeClr val="tx1"/>
+                </a:solidFill>
+              </a:rPr>
+              <a:t>Python PTK</a:t>
+            </a:r>
+          </a:p>
+        </p:txBody>
+      </p:sp>
+      <p:sp>
+        <p:nvSpPr>
+          <p:cNvPr id="24" name="Arrow: Left-Right 23">
+            <a:extLst>
+              <a:ext uri="{FF2B5EF4-FFF2-40B4-BE49-F238E27FC236}">
+                <a16:creationId xmlns:a16="http://schemas.microsoft.com/office/drawing/2014/main" id="{C5C19402-0397-8FCD-9E3E-29A75E577A32}"/>
+              </a:ext>
+            </a:extLst>
+          </p:cNvPr>
+          <p:cNvSpPr/>
+          <p:nvPr/>
+        </p:nvSpPr>
+        <p:spPr>
+          <a:xfrm rot="16200000">
+            <a:off x="5241965" y="5547352"/>
+            <a:ext cx="395303" cy="153891"/>
+          </a:xfrm>
+          <a:prstGeom prst="leftRightArrow">
+            <a:avLst/>
+          </a:prstGeom>
+        </p:spPr>
+        <p:style>
+          <a:lnRef idx="2">
+            <a:schemeClr val="accent1">
+              <a:shade val="15000"/>
+            </a:schemeClr>
+          </a:lnRef>
+          <a:fillRef idx="1">
+            <a:schemeClr val="accent1"/>
+          </a:fillRef>
+          <a:effectRef idx="0">
+            <a:schemeClr val="accent1"/>
+          </a:effectRef>
+          <a:fontRef idx="minor">
+            <a:schemeClr val="lt1"/>
+          </a:fontRef>
+        </p:style>
+        <p:txBody>
+          <a:bodyPr rtlCol="0" anchor="ctr"/>
+          <a:lstStyle/>
+          <a:p>
+            <a:pPr algn="ctr"/>
+            <a:endParaRPr lang="en-US"/>
+          </a:p>
+        </p:txBody>
+      </p:sp>
+      <p:sp>
+        <p:nvSpPr>
+          <p:cNvPr id="26" name="Rectangle 25">
+            <a:extLst>
+              <a:ext uri="{FF2B5EF4-FFF2-40B4-BE49-F238E27FC236}">
+                <a16:creationId xmlns:a16="http://schemas.microsoft.com/office/drawing/2014/main" id="{CA3761BF-3317-0838-BC03-FC580CC0F664}"/>
+              </a:ext>
+            </a:extLst>
+          </p:cNvPr>
+          <p:cNvSpPr/>
+          <p:nvPr/>
+        </p:nvSpPr>
+        <p:spPr>
+          <a:xfrm>
+            <a:off x="7180841" y="1316041"/>
+            <a:ext cx="3436852" cy="4102166"/>
+          </a:xfrm>
+          <a:prstGeom prst="rect">
+            <a:avLst/>
+          </a:prstGeom>
+          <a:noFill/>
+          <a:ln>
+            <a:solidFill>
+              <a:schemeClr val="tx1"/>
+            </a:solidFill>
+          </a:ln>
+        </p:spPr>
+        <p:style>
+          <a:lnRef idx="2">
+            <a:schemeClr val="accent1">
+              <a:shade val="15000"/>
+            </a:schemeClr>
+          </a:lnRef>
+          <a:fillRef idx="1">
+            <a:schemeClr val="accent1"/>
+          </a:fillRef>
+          <a:effectRef idx="0">
+            <a:schemeClr val="accent1"/>
+          </a:effectRef>
+          <a:fontRef idx="minor">
+            <a:schemeClr val="lt1"/>
+          </a:fontRef>
+        </p:style>
+        <p:txBody>
+          <a:bodyPr rtlCol="0" anchor="t"/>
+          <a:lstStyle/>
+          <a:p>
+            <a:r>
+              <a:rPr lang="en-US" dirty="0">
+                <a:solidFill>
+                  <a:schemeClr val="tx1"/>
+                </a:solidFill>
+              </a:rPr>
+              <a:t>Python Streams</a:t>
+            </a:r>
+          </a:p>
+        </p:txBody>
+      </p:sp>
+      <p:pic>
+        <p:nvPicPr>
+          <p:cNvPr id="28" name="Picture 27">
+            <a:extLst>
+              <a:ext uri="{FF2B5EF4-FFF2-40B4-BE49-F238E27FC236}">
+                <a16:creationId xmlns:a16="http://schemas.microsoft.com/office/drawing/2014/main" id="{A23FE9AF-31C2-3894-9E09-39B9776431C6}"/>
+              </a:ext>
+            </a:extLst>
+          </p:cNvPr>
+          <p:cNvPicPr>
+            <a:picLocks noChangeAspect="1"/>
+          </p:cNvPicPr>
+          <p:nvPr/>
+        </p:nvPicPr>
+        <p:blipFill>
+          <a:blip r:embed="rId4"/>
+          <a:stretch>
+            <a:fillRect/>
+          </a:stretch>
+        </p:blipFill>
+        <p:spPr>
+          <a:xfrm>
+            <a:off x="7217812" y="1856462"/>
+            <a:ext cx="3248662" cy="2830662"/>
+          </a:xfrm>
+          <a:prstGeom prst="rect">
+            <a:avLst/>
+          </a:prstGeom>
+        </p:spPr>
+      </p:pic>
+      <p:sp>
+        <p:nvSpPr>
+          <p:cNvPr id="29" name="Arrow: Bent-Up 28">
+            <a:extLst>
+              <a:ext uri="{FF2B5EF4-FFF2-40B4-BE49-F238E27FC236}">
+                <a16:creationId xmlns:a16="http://schemas.microsoft.com/office/drawing/2014/main" id="{31B404F3-143C-3F91-7102-33A705D6B5C3}"/>
+              </a:ext>
+            </a:extLst>
+          </p:cNvPr>
+          <p:cNvSpPr/>
+          <p:nvPr/>
+        </p:nvSpPr>
+        <p:spPr>
+          <a:xfrm>
+            <a:off x="6418124" y="5426645"/>
+            <a:ext cx="2684556" cy="769969"/>
+          </a:xfrm>
+          <a:prstGeom prst="bentUpArrow">
+            <a:avLst>
+              <a:gd name="adj1" fmla="val 15776"/>
+              <a:gd name="adj2" fmla="val 10588"/>
+              <a:gd name="adj3" fmla="val 21541"/>
+            </a:avLst>
+          </a:prstGeom>
+        </p:spPr>
+        <p:style>
+          <a:lnRef idx="2">
+            <a:schemeClr val="accent1">
+              <a:shade val="15000"/>
+            </a:schemeClr>
+          </a:lnRef>
+          <a:fillRef idx="1">
+            <a:schemeClr val="accent1"/>
+          </a:fillRef>
+          <a:effectRef idx="0">
+            <a:schemeClr val="accent1"/>
+          </a:effectRef>
+          <a:fontRef idx="minor">
+            <a:schemeClr val="lt1"/>
+          </a:fontRef>
+        </p:style>
+        <p:txBody>
+          <a:bodyPr rtlCol="0" anchor="ctr"/>
+          <a:lstStyle/>
+          <a:p>
+            <a:pPr algn="ctr"/>
+            <a:endParaRPr lang="en-US"/>
+          </a:p>
+        </p:txBody>
+      </p:sp>
+      <p:sp>
+        <p:nvSpPr>
+          <p:cNvPr id="30" name="Rectangle 29">
+            <a:extLst>
+              <a:ext uri="{FF2B5EF4-FFF2-40B4-BE49-F238E27FC236}">
+                <a16:creationId xmlns:a16="http://schemas.microsoft.com/office/drawing/2014/main" id="{E4DAA828-9203-1F78-D3B1-DA435F38032A}"/>
+              </a:ext>
+            </a:extLst>
+          </p:cNvPr>
+          <p:cNvSpPr/>
+          <p:nvPr/>
+        </p:nvSpPr>
+        <p:spPr>
+          <a:xfrm>
+            <a:off x="2678117" y="6414533"/>
+            <a:ext cx="1875453" cy="367261"/>
+          </a:xfrm>
+          <a:prstGeom prst="rect">
+            <a:avLst/>
+          </a:prstGeom>
+          <a:solidFill>
+            <a:srgbClr val="92D050"/>
+          </a:solidFill>
+        </p:spPr>
+        <p:style>
+          <a:lnRef idx="2">
+            <a:schemeClr val="accent1">
+              <a:shade val="15000"/>
+            </a:schemeClr>
+          </a:lnRef>
+          <a:fillRef idx="1">
+            <a:schemeClr val="accent1"/>
+          </a:fillRef>
+          <a:effectRef idx="0">
+            <a:schemeClr val="accent1"/>
+          </a:effectRef>
+          <a:fontRef idx="minor">
+            <a:schemeClr val="lt1"/>
+          </a:fontRef>
+        </p:style>
+        <p:txBody>
+          <a:bodyPr rtlCol="0" anchor="ctr"/>
+          <a:lstStyle/>
+          <a:p>
+            <a:pPr algn="ctr"/>
+            <a:r>
+              <a:rPr lang="en-US" dirty="0">
+                <a:solidFill>
+                  <a:schemeClr val="tx1"/>
+                </a:solidFill>
+              </a:rPr>
+              <a:t>Server </a:t>
+            </a:r>
+            <a:r>
+              <a:rPr lang="en-US" dirty="0" err="1">
+                <a:solidFill>
+                  <a:schemeClr val="tx1"/>
+                </a:solidFill>
+              </a:rPr>
+              <a:t>proces</a:t>
+            </a:r>
+            <a:endParaRPr lang="en-US" dirty="0">
+              <a:solidFill>
+                <a:schemeClr val="tx1"/>
+              </a:solidFill>
+            </a:endParaRPr>
+          </a:p>
+        </p:txBody>
+      </p:sp>
+      <p:sp>
+        <p:nvSpPr>
+          <p:cNvPr id="33" name="Rectangle 32">
+            <a:extLst>
+              <a:ext uri="{FF2B5EF4-FFF2-40B4-BE49-F238E27FC236}">
+                <a16:creationId xmlns:a16="http://schemas.microsoft.com/office/drawing/2014/main" id="{2FB66D43-A019-FF74-2568-04B726000EEF}"/>
+              </a:ext>
+            </a:extLst>
+          </p:cNvPr>
+          <p:cNvSpPr/>
+          <p:nvPr/>
+        </p:nvSpPr>
+        <p:spPr>
+          <a:xfrm>
+            <a:off x="8164953" y="6316770"/>
+            <a:ext cx="2378639" cy="367261"/>
+          </a:xfrm>
+          <a:prstGeom prst="rect">
+            <a:avLst/>
+          </a:prstGeom>
+          <a:solidFill>
+            <a:srgbClr val="92D050"/>
+          </a:solidFill>
+        </p:spPr>
+        <p:style>
+          <a:lnRef idx="2">
+            <a:schemeClr val="accent1">
+              <a:shade val="15000"/>
+            </a:schemeClr>
+          </a:lnRef>
+          <a:fillRef idx="1">
+            <a:schemeClr val="accent1"/>
+          </a:fillRef>
+          <a:effectRef idx="0">
+            <a:schemeClr val="accent1"/>
+          </a:effectRef>
+          <a:fontRef idx="minor">
+            <a:schemeClr val="lt1"/>
+          </a:fontRef>
+        </p:style>
+        <p:txBody>
+          <a:bodyPr rtlCol="0" anchor="ctr"/>
+          <a:lstStyle/>
+          <a:p>
+            <a:pPr algn="ctr"/>
+            <a:r>
+              <a:rPr lang="en-US" dirty="0">
+                <a:solidFill>
+                  <a:schemeClr val="tx1"/>
+                </a:solidFill>
+              </a:rPr>
+              <a:t>Use Model in model</a:t>
+            </a:r>
+          </a:p>
+        </p:txBody>
+      </p:sp>
+      <p:sp>
+        <p:nvSpPr>
+          <p:cNvPr id="34" name="Rectangle 33">
+            <a:extLst>
+              <a:ext uri="{FF2B5EF4-FFF2-40B4-BE49-F238E27FC236}">
+                <a16:creationId xmlns:a16="http://schemas.microsoft.com/office/drawing/2014/main" id="{3194DC0D-3C6B-BF11-8944-91BE0A37F9D3}"/>
+              </a:ext>
+            </a:extLst>
+          </p:cNvPr>
+          <p:cNvSpPr/>
+          <p:nvPr/>
+        </p:nvSpPr>
+        <p:spPr>
+          <a:xfrm>
+            <a:off x="10829561" y="1356239"/>
+            <a:ext cx="665753" cy="4102167"/>
+          </a:xfrm>
+          <a:prstGeom prst="rect">
+            <a:avLst/>
+          </a:prstGeom>
+          <a:noFill/>
+          <a:ln>
+            <a:solidFill>
+              <a:schemeClr val="tx1"/>
+            </a:solidFill>
+          </a:ln>
+        </p:spPr>
+        <p:style>
+          <a:lnRef idx="2">
+            <a:schemeClr val="accent1">
+              <a:shade val="15000"/>
+            </a:schemeClr>
+          </a:lnRef>
+          <a:fillRef idx="1">
+            <a:schemeClr val="accent1"/>
+          </a:fillRef>
+          <a:effectRef idx="0">
+            <a:schemeClr val="accent1"/>
+          </a:effectRef>
+          <a:fontRef idx="minor">
+            <a:schemeClr val="lt1"/>
+          </a:fontRef>
+        </p:style>
+        <p:txBody>
+          <a:bodyPr rtlCol="0" anchor="t"/>
+          <a:lstStyle/>
+          <a:p>
+            <a:r>
+              <a:rPr lang="en-US" dirty="0">
+                <a:solidFill>
+                  <a:schemeClr val="tx1"/>
+                </a:solidFill>
+              </a:rPr>
+              <a:t>C++</a:t>
+            </a:r>
+          </a:p>
+        </p:txBody>
+      </p:sp>
+    </p:spTree>
+    <p:extLst>
+      <p:ext uri="{BB962C8B-B14F-4D97-AF65-F5344CB8AC3E}">
+        <p14:creationId xmlns:p14="http://schemas.microsoft.com/office/powerpoint/2010/main" val="2751259625"/>
+      </p:ext>
+    </p:extLst>
+  </p:cSld>
+  <p:clrMapOvr>
+    <a:masterClrMapping/>
+  </p:clrMapOvr>
+  <p:timing>
+    <p:tnLst>
+      <p:par>
+        <p:cTn id="1" dur="indefinite" restart="never" nodeType="tmRoot">
+          <p:childTnLst>
+            <p:seq concurrent="1" nextAc="seek">
+              <p:cTn id="2" dur="indefinite" nodeType="mainSeq">
+                <p:childTnLst>
+                  <p:par>
+                    <p:cTn id="3" fill="hold">
+                      <p:stCondLst>
+                        <p:cond delay="indefinite"/>
+                      </p:stCondLst>
+                      <p:childTnLst>
+                        <p:par>
+                          <p:cTn id="4" fill="hold">
+                            <p:stCondLst>
+                              <p:cond delay="0"/>
+                            </p:stCondLst>
+                            <p:childTnLst>
+                              <p:par>
+                                <p:cTn id="5" presetID="1" presetClass="entr" presetSubtype="0" fill="hold" grpId="0" nodeType="clickEffect">
+                                  <p:stCondLst>
+                                    <p:cond delay="0"/>
+                                  </p:stCondLst>
+                                  <p:childTnLst>
+                                    <p:set>
+                                      <p:cBhvr>
+                                        <p:cTn id="6" dur="1" fill="hold">
+                                          <p:stCondLst>
+                                            <p:cond delay="0"/>
+                                          </p:stCondLst>
+                                        </p:cTn>
+                                        <p:tgtEl>
+                                          <p:spTgt spid="10"/>
+                                        </p:tgtEl>
+                                        <p:attrNameLst>
+                                          <p:attrName>style.visibility</p:attrName>
+                                        </p:attrNameLst>
+                                      </p:cBhvr>
+                                      <p:to>
+                                        <p:strVal val="visible"/>
+                                      </p:to>
+                                    </p:set>
+                                  </p:childTnLst>
+                                </p:cTn>
+                              </p:par>
+                              <p:par>
+                                <p:cTn id="7" presetID="1" presetClass="entr" presetSubtype="0" fill="hold" nodeType="withEffect">
+                                  <p:stCondLst>
+                                    <p:cond delay="0"/>
+                                  </p:stCondLst>
+                                  <p:childTnLst>
+                                    <p:set>
+                                      <p:cBhvr>
+                                        <p:cTn id="8" dur="1" fill="hold">
+                                          <p:stCondLst>
+                                            <p:cond delay="0"/>
+                                          </p:stCondLst>
+                                        </p:cTn>
+                                        <p:tgtEl>
+                                          <p:spTgt spid="12"/>
+                                        </p:tgtEl>
+                                        <p:attrNameLst>
+                                          <p:attrName>style.visibility</p:attrName>
+                                        </p:attrNameLst>
+                                      </p:cBhvr>
+                                      <p:to>
+                                        <p:strVal val="visible"/>
+                                      </p:to>
+                                    </p:set>
+                                  </p:childTnLst>
+                                </p:cTn>
+                              </p:par>
+                            </p:childTnLst>
+                          </p:cTn>
+                        </p:par>
+                      </p:childTnLst>
+                    </p:cTn>
+                  </p:par>
+                  <p:par>
+                    <p:cTn id="9" fill="hold">
+                      <p:stCondLst>
+                        <p:cond delay="indefinite"/>
+                      </p:stCondLst>
+                      <p:childTnLst>
+                        <p:par>
+                          <p:cTn id="10" fill="hold">
+                            <p:stCondLst>
+                              <p:cond delay="0"/>
+                            </p:stCondLst>
+                            <p:childTnLst>
+                              <p:par>
+                                <p:cTn id="11" presetID="1" presetClass="entr" presetSubtype="0" fill="hold" grpId="0" nodeType="clickEffect">
+                                  <p:stCondLst>
+                                    <p:cond delay="0"/>
+                                  </p:stCondLst>
+                                  <p:childTnLst>
+                                    <p:set>
+                                      <p:cBhvr>
+                                        <p:cTn id="12" dur="1" fill="hold">
+                                          <p:stCondLst>
+                                            <p:cond delay="0"/>
+                                          </p:stCondLst>
+                                        </p:cTn>
+                                        <p:tgtEl>
+                                          <p:spTgt spid="11"/>
+                                        </p:tgtEl>
+                                        <p:attrNameLst>
+                                          <p:attrName>style.visibility</p:attrName>
+                                        </p:attrNameLst>
+                                      </p:cBhvr>
+                                      <p:to>
+                                        <p:strVal val="visible"/>
+                                      </p:to>
+                                    </p:set>
+                                  </p:childTnLst>
+                                </p:cTn>
+                              </p:par>
+                              <p:par>
+                                <p:cTn id="13" presetID="1" presetClass="entr" presetSubtype="0" fill="hold" nodeType="withEffect">
+                                  <p:stCondLst>
+                                    <p:cond delay="0"/>
+                                  </p:stCondLst>
+                                  <p:childTnLst>
+                                    <p:set>
+                                      <p:cBhvr>
+                                        <p:cTn id="14" dur="1" fill="hold">
+                                          <p:stCondLst>
+                                            <p:cond delay="0"/>
+                                          </p:stCondLst>
+                                        </p:cTn>
+                                        <p:tgtEl>
+                                          <p:spTgt spid="20"/>
+                                        </p:tgtEl>
+                                        <p:attrNameLst>
+                                          <p:attrName>style.visibility</p:attrName>
+                                        </p:attrNameLst>
+                                      </p:cBhvr>
+                                      <p:to>
+                                        <p:strVal val="visible"/>
+                                      </p:to>
+                                    </p:set>
+                                  </p:childTnLst>
+                                </p:cTn>
+                              </p:par>
+                              <p:par>
+                                <p:cTn id="15" presetID="1" presetClass="entr" presetSubtype="0" fill="hold" grpId="0" nodeType="withEffect">
+                                  <p:stCondLst>
+                                    <p:cond delay="0"/>
+                                  </p:stCondLst>
+                                  <p:childTnLst>
+                                    <p:set>
+                                      <p:cBhvr>
+                                        <p:cTn id="16" dur="1" fill="hold">
+                                          <p:stCondLst>
+                                            <p:cond delay="0"/>
+                                          </p:stCondLst>
+                                        </p:cTn>
+                                        <p:tgtEl>
+                                          <p:spTgt spid="22"/>
+                                        </p:tgtEl>
+                                        <p:attrNameLst>
+                                          <p:attrName>style.visibility</p:attrName>
+                                        </p:attrNameLst>
+                                      </p:cBhvr>
+                                      <p:to>
+                                        <p:strVal val="visible"/>
+                                      </p:to>
+                                    </p:set>
+                                  </p:childTnLst>
+                                </p:cTn>
+                              </p:par>
+                              <p:par>
+                                <p:cTn id="17" presetID="1" presetClass="entr" presetSubtype="0" fill="hold" grpId="0" nodeType="withEffect">
+                                  <p:stCondLst>
+                                    <p:cond delay="0"/>
+                                  </p:stCondLst>
+                                  <p:childTnLst>
+                                    <p:set>
+                                      <p:cBhvr>
+                                        <p:cTn id="18" dur="1" fill="hold">
+                                          <p:stCondLst>
+                                            <p:cond delay="0"/>
+                                          </p:stCondLst>
+                                        </p:cTn>
+                                        <p:tgtEl>
+                                          <p:spTgt spid="18"/>
+                                        </p:tgtEl>
+                                        <p:attrNameLst>
+                                          <p:attrName>style.visibility</p:attrName>
+                                        </p:attrNameLst>
+                                      </p:cBhvr>
+                                      <p:to>
+                                        <p:strVal val="visible"/>
+                                      </p:to>
+                                    </p:set>
+                                  </p:childTnLst>
+                                </p:cTn>
+                              </p:par>
+                              <p:par>
+                                <p:cTn id="19" presetID="1" presetClass="entr" presetSubtype="0" fill="hold" grpId="0" nodeType="withEffect">
+                                  <p:stCondLst>
+                                    <p:cond delay="0"/>
+                                  </p:stCondLst>
+                                  <p:childTnLst>
+                                    <p:set>
+                                      <p:cBhvr>
+                                        <p:cTn id="20" dur="1" fill="hold">
+                                          <p:stCondLst>
+                                            <p:cond delay="0"/>
+                                          </p:stCondLst>
+                                        </p:cTn>
+                                        <p:tgtEl>
+                                          <p:spTgt spid="21"/>
+                                        </p:tgtEl>
+                                        <p:attrNameLst>
+                                          <p:attrName>style.visibility</p:attrName>
+                                        </p:attrNameLst>
+                                      </p:cBhvr>
+                                      <p:to>
+                                        <p:strVal val="visible"/>
+                                      </p:to>
+                                    </p:set>
+                                  </p:childTnLst>
+                                </p:cTn>
+                              </p:par>
+                              <p:par>
+                                <p:cTn id="21" presetID="1" presetClass="entr" presetSubtype="0" fill="hold" grpId="0" nodeType="withEffect">
+                                  <p:stCondLst>
+                                    <p:cond delay="0"/>
+                                  </p:stCondLst>
+                                  <p:childTnLst>
+                                    <p:set>
+                                      <p:cBhvr>
+                                        <p:cTn id="22" dur="1" fill="hold">
+                                          <p:stCondLst>
+                                            <p:cond delay="0"/>
+                                          </p:stCondLst>
+                                        </p:cTn>
+                                        <p:tgtEl>
+                                          <p:spTgt spid="17"/>
+                                        </p:tgtEl>
+                                        <p:attrNameLst>
+                                          <p:attrName>style.visibility</p:attrName>
+                                        </p:attrNameLst>
+                                      </p:cBhvr>
+                                      <p:to>
+                                        <p:strVal val="visible"/>
+                                      </p:to>
+                                    </p:set>
+                                  </p:childTnLst>
+                                </p:cTn>
+                              </p:par>
+                              <p:par>
+                                <p:cTn id="23" presetID="1" presetClass="entr" presetSubtype="0" fill="hold" grpId="0" nodeType="withEffect">
+                                  <p:stCondLst>
+                                    <p:cond delay="0"/>
+                                  </p:stCondLst>
+                                  <p:childTnLst>
+                                    <p:set>
+                                      <p:cBhvr>
+                                        <p:cTn id="24" dur="1" fill="hold">
+                                          <p:stCondLst>
+                                            <p:cond delay="0"/>
+                                          </p:stCondLst>
+                                        </p:cTn>
+                                        <p:tgtEl>
+                                          <p:spTgt spid="24"/>
+                                        </p:tgtEl>
+                                        <p:attrNameLst>
+                                          <p:attrName>style.visibility</p:attrName>
+                                        </p:attrNameLst>
+                                      </p:cBhvr>
+                                      <p:to>
+                                        <p:strVal val="visible"/>
+                                      </p:to>
+                                    </p:set>
+                                  </p:childTnLst>
+                                </p:cTn>
+                              </p:par>
+                            </p:childTnLst>
+                          </p:cTn>
+                        </p:par>
+                      </p:childTnLst>
+                    </p:cTn>
+                  </p:par>
+                  <p:par>
+                    <p:cTn id="25" fill="hold">
+                      <p:stCondLst>
+                        <p:cond delay="indefinite"/>
+                      </p:stCondLst>
+                      <p:childTnLst>
+                        <p:par>
+                          <p:cTn id="26" fill="hold">
+                            <p:stCondLst>
+                              <p:cond delay="0"/>
+                            </p:stCondLst>
+                            <p:childTnLst>
+                              <p:par>
+                                <p:cTn id="27" presetID="1" presetClass="entr" presetSubtype="0" fill="hold" grpId="0" nodeType="clickEffect">
+                                  <p:stCondLst>
+                                    <p:cond delay="0"/>
+                                  </p:stCondLst>
+                                  <p:childTnLst>
+                                    <p:set>
+                                      <p:cBhvr>
+                                        <p:cTn id="28" dur="1" fill="hold">
+                                          <p:stCondLst>
+                                            <p:cond delay="0"/>
+                                          </p:stCondLst>
+                                        </p:cTn>
+                                        <p:tgtEl>
+                                          <p:spTgt spid="30"/>
+                                        </p:tgtEl>
+                                        <p:attrNameLst>
+                                          <p:attrName>style.visibility</p:attrName>
+                                        </p:attrNameLst>
+                                      </p:cBhvr>
+                                      <p:to>
+                                        <p:strVal val="visible"/>
+                                      </p:to>
+                                    </p:set>
+                                  </p:childTnLst>
+                                </p:cTn>
+                              </p:par>
+                            </p:childTnLst>
+                          </p:cTn>
+                        </p:par>
+                      </p:childTnLst>
+                    </p:cTn>
+                  </p:par>
+                  <p:par>
+                    <p:cTn id="29" fill="hold">
+                      <p:stCondLst>
+                        <p:cond delay="indefinite"/>
+                      </p:stCondLst>
+                      <p:childTnLst>
+                        <p:par>
+                          <p:cTn id="30" fill="hold">
+                            <p:stCondLst>
+                              <p:cond delay="0"/>
+                            </p:stCondLst>
+                            <p:childTnLst>
+                              <p:par>
+                                <p:cTn id="31" presetID="1" presetClass="entr" presetSubtype="0" fill="hold" grpId="0" nodeType="clickEffect">
+                                  <p:stCondLst>
+                                    <p:cond delay="0"/>
+                                  </p:stCondLst>
+                                  <p:childTnLst>
+                                    <p:set>
+                                      <p:cBhvr>
+                                        <p:cTn id="32" dur="1" fill="hold">
+                                          <p:stCondLst>
+                                            <p:cond delay="0"/>
+                                          </p:stCondLst>
+                                        </p:cTn>
+                                        <p:tgtEl>
+                                          <p:spTgt spid="26"/>
+                                        </p:tgtEl>
+                                        <p:attrNameLst>
+                                          <p:attrName>style.visibility</p:attrName>
+                                        </p:attrNameLst>
+                                      </p:cBhvr>
+                                      <p:to>
+                                        <p:strVal val="visible"/>
+                                      </p:to>
+                                    </p:set>
+                                  </p:childTnLst>
+                                </p:cTn>
+                              </p:par>
+                              <p:par>
+                                <p:cTn id="33" presetID="1" presetClass="entr" presetSubtype="0" fill="hold" nodeType="withEffect">
+                                  <p:stCondLst>
+                                    <p:cond delay="0"/>
+                                  </p:stCondLst>
+                                  <p:childTnLst>
+                                    <p:set>
+                                      <p:cBhvr>
+                                        <p:cTn id="34" dur="1" fill="hold">
+                                          <p:stCondLst>
+                                            <p:cond delay="0"/>
+                                          </p:stCondLst>
+                                        </p:cTn>
+                                        <p:tgtEl>
+                                          <p:spTgt spid="28"/>
+                                        </p:tgtEl>
+                                        <p:attrNameLst>
+                                          <p:attrName>style.visibility</p:attrName>
+                                        </p:attrNameLst>
+                                      </p:cBhvr>
+                                      <p:to>
+                                        <p:strVal val="visible"/>
+                                      </p:to>
+                                    </p:set>
+                                  </p:childTnLst>
+                                </p:cTn>
+                              </p:par>
+                              <p:par>
+                                <p:cTn id="35" presetID="1" presetClass="entr" presetSubtype="0" fill="hold" grpId="0" nodeType="withEffect">
+                                  <p:stCondLst>
+                                    <p:cond delay="0"/>
+                                  </p:stCondLst>
+                                  <p:childTnLst>
+                                    <p:set>
+                                      <p:cBhvr>
+                                        <p:cTn id="36" dur="1" fill="hold">
+                                          <p:stCondLst>
+                                            <p:cond delay="0"/>
+                                          </p:stCondLst>
+                                        </p:cTn>
+                                        <p:tgtEl>
+                                          <p:spTgt spid="29"/>
+                                        </p:tgtEl>
+                                        <p:attrNameLst>
+                                          <p:attrName>style.visibility</p:attrName>
+                                        </p:attrNameLst>
+                                      </p:cBhvr>
+                                      <p:to>
+                                        <p:strVal val="visible"/>
+                                      </p:to>
+                                    </p:set>
+                                  </p:childTnLst>
+                                </p:cTn>
+                              </p:par>
+                              <p:par>
+                                <p:cTn id="37" presetID="1" presetClass="entr" presetSubtype="0" fill="hold" grpId="0" nodeType="withEffect">
+                                  <p:stCondLst>
+                                    <p:cond delay="0"/>
+                                  </p:stCondLst>
+                                  <p:childTnLst>
+                                    <p:set>
+                                      <p:cBhvr>
+                                        <p:cTn id="38" dur="1" fill="hold">
+                                          <p:stCondLst>
+                                            <p:cond delay="0"/>
+                                          </p:stCondLst>
+                                        </p:cTn>
+                                        <p:tgtEl>
+                                          <p:spTgt spid="33"/>
+                                        </p:tgtEl>
+                                        <p:attrNameLst>
+                                          <p:attrName>style.visibility</p:attrName>
+                                        </p:attrNameLst>
+                                      </p:cBhvr>
+                                      <p:to>
+                                        <p:strVal val="visible"/>
+                                      </p:to>
+                                    </p:set>
+                                  </p:childTnLst>
+                                </p:cTn>
+                              </p:par>
+                            </p:childTnLst>
+                          </p:cTn>
+                        </p:par>
+                      </p:childTnLst>
+                    </p:cTn>
+                  </p:par>
+                  <p:par>
+                    <p:cTn id="39" fill="hold">
+                      <p:stCondLst>
+                        <p:cond delay="indefinite"/>
+                      </p:stCondLst>
+                      <p:childTnLst>
+                        <p:par>
+                          <p:cTn id="40" fill="hold">
+                            <p:stCondLst>
+                              <p:cond delay="0"/>
+                            </p:stCondLst>
+                            <p:childTnLst>
+                              <p:par>
+                                <p:cTn id="41" presetID="1" presetClass="entr" presetSubtype="0" fill="hold" grpId="0" nodeType="clickEffect">
+                                  <p:stCondLst>
+                                    <p:cond delay="0"/>
+                                  </p:stCondLst>
+                                  <p:childTnLst>
+                                    <p:set>
+                                      <p:cBhvr>
+                                        <p:cTn id="42" dur="1" fill="hold">
+                                          <p:stCondLst>
+                                            <p:cond delay="0"/>
+                                          </p:stCondLst>
+                                        </p:cTn>
+                                        <p:tgtEl>
+                                          <p:spTgt spid="34"/>
+                                        </p:tgtEl>
+                                        <p:attrNameLst>
+                                          <p:attrName>style.visibility</p:attrName>
+                                        </p:attrNameLst>
+                                      </p:cBhvr>
+                                      <p:to>
+                                        <p:strVal val="visible"/>
+                                      </p:to>
+                                    </p:set>
+                                  </p:childTnLst>
+                                </p:cTn>
+                              </p:par>
+                            </p:childTnLst>
+                          </p:cTn>
+                        </p:par>
+                      </p:childTnLst>
+                    </p:cTn>
+                  </p:par>
+                </p:childTnLst>
+              </p:cTn>
+              <p:prevCondLst>
+                <p:cond evt="onPrev" delay="0">
+                  <p:tgtEl>
+                    <p:sldTgt/>
+                  </p:tgtEl>
+                </p:cond>
+              </p:prevCondLst>
+              <p:nextCondLst>
+                <p:cond evt="onNext" delay="0">
+                  <p:tgtEl>
+                    <p:sldTgt/>
+                  </p:tgtEl>
+                </p:cond>
+              </p:nextCondLst>
+            </p:seq>
+          </p:childTnLst>
+        </p:cTn>
+      </p:par>
+    </p:tnLst>
+    <p:bldLst>
+      <p:bldP spid="17" grpId="0" animBg="1"/>
+      <p:bldP spid="18" grpId="0" animBg="1"/>
+      <p:bldP spid="21" grpId="0" animBg="1"/>
+      <p:bldP spid="22" grpId="0" animBg="1"/>
+      <p:bldP spid="11" grpId="0" animBg="1"/>
+      <p:bldP spid="10" grpId="0" animBg="1"/>
+      <p:bldP spid="24" grpId="0" animBg="1"/>
+      <p:bldP spid="26" grpId="0" animBg="1"/>
+      <p:bldP spid="29" grpId="0" animBg="1"/>
+      <p:bldP spid="30" grpId="0" animBg="1"/>
+      <p:bldP spid="33" grpId="0" animBg="1"/>
+      <p:bldP spid="34" grpId="0" animBg="1"/>
+    </p:bldLst>
+  </p:timing>
+</p:sld>
+</file>
+
+<file path=ppt/slides/slide12.xml><?xml version="1.0" encoding="utf-8"?>
+<p:sld xmlns:a="http://schemas.openxmlformats.org/drawingml/2006/main" xmlns:r="http://schemas.openxmlformats.org/officeDocument/2006/relationships" xmlns:p="http://schemas.openxmlformats.org/presentationml/2006/main">
+  <p:cSld>
+    <p:spTree>
+      <p:nvGrpSpPr>
+        <p:cNvPr id="1" name=""/>
+        <p:cNvGrpSpPr/>
+        <p:nvPr/>
+      </p:nvGrpSpPr>
+      <p:grpSpPr>
+        <a:xfrm>
+          <a:off x="0" y="0"/>
+          <a:ext cx="0" cy="0"/>
+          <a:chOff x="0" y="0"/>
+          <a:chExt cx="0" cy="0"/>
+        </a:xfrm>
+      </p:grpSpPr>
+      <p:sp>
+        <p:nvSpPr>
+          <p:cNvPr id="2" name="Title 1">
+            <a:extLst>
+              <a:ext uri="{FF2B5EF4-FFF2-40B4-BE49-F238E27FC236}">
+                <a16:creationId xmlns:a16="http://schemas.microsoft.com/office/drawing/2014/main" id="{B4159449-A158-8C12-0348-DC8253F587C0}"/>
+              </a:ext>
+            </a:extLst>
+          </p:cNvPr>
+          <p:cNvSpPr>
+            <a:spLocks noGrp="1"/>
+          </p:cNvSpPr>
+          <p:nvPr>
+            <p:ph type="title"/>
+          </p:nvPr>
+        </p:nvSpPr>
+        <p:spPr/>
+        <p:txBody>
+          <a:bodyPr/>
+          <a:lstStyle/>
+          <a:p>
+            <a:r>
+              <a:rPr lang="en-US" dirty="0"/>
+              <a:t>Demo 1</a:t>
             </a:r>
           </a:p>
         </p:txBody>
@@ -15443,7 +17724,7 @@
           <p:cNvPr id="3" name="Content Placeholder 2">
             <a:extLst>
               <a:ext uri="{FF2B5EF4-FFF2-40B4-BE49-F238E27FC236}">
-                <a16:creationId xmlns:a16="http://schemas.microsoft.com/office/drawing/2014/main" id="{72574C8B-4F73-CF9F-CD48-3ECD1890C732}"/>
+                <a16:creationId xmlns:a16="http://schemas.microsoft.com/office/drawing/2014/main" id="{025A59F3-3FD4-5A84-5932-05F4C2BC5C75}"/>
               </a:ext>
             </a:extLst>
           </p:cNvPr>
@@ -15460,77 +17741,30 @@
           <a:lstStyle/>
           <a:p>
             <a:r>
-              <a:rPr lang="nl-NL" dirty="0"/>
-              <a:t>JIRA</a:t>
-            </a:r>
-          </a:p>
-          <a:p>
-            <a:r>
-              <a:rPr lang="nl-NL" dirty="0"/>
-              <a:t>Github</a:t>
-            </a:r>
-          </a:p>
-          <a:p>
-            <a:r>
-              <a:rPr lang="nl-NL" dirty="0" err="1"/>
-              <a:t>TeamCity</a:t>
-            </a:r>
-            <a:endParaRPr lang="nl-NL" dirty="0"/>
+              <a:rPr lang="en-US" dirty="0"/>
+              <a:t>Notebooks:</a:t>
+            </a:r>
           </a:p>
           <a:p>
             <a:pPr lvl="1"/>
             <a:r>
-              <a:rPr lang="nl-NL" dirty="0" err="1"/>
-              <a:t>Sig</a:t>
-            </a:r>
-            <a:r>
-              <a:rPr lang="nl-NL" dirty="0"/>
-              <a:t> </a:t>
-            </a:r>
-            <a:r>
-              <a:rPr lang="nl-NL" dirty="0" err="1"/>
-              <a:t>build</a:t>
-            </a:r>
-            <a:endParaRPr lang="nl-NL" dirty="0"/>
+              <a:rPr lang="en-US" dirty="0"/>
+              <a:t>Run up example</a:t>
+            </a:r>
           </a:p>
           <a:p>
             <a:pPr lvl="1"/>
             <a:r>
-              <a:rPr lang="nl-NL" dirty="0"/>
-              <a:t>Code </a:t>
-            </a:r>
-            <a:r>
-              <a:rPr lang="nl-NL" dirty="0" err="1"/>
-              <a:t>coverage</a:t>
-            </a:r>
-            <a:r>
-              <a:rPr lang="nl-NL" dirty="0"/>
-              <a:t> </a:t>
-            </a:r>
-            <a:r>
-              <a:rPr lang="nl-NL" dirty="0" err="1"/>
-              <a:t>build</a:t>
-            </a:r>
-            <a:endParaRPr lang="nl-NL" dirty="0"/>
+              <a:rPr lang="en-US" dirty="0"/>
+              <a:t>Hydra-Ring</a:t>
+            </a:r>
           </a:p>
           <a:p>
             <a:pPr lvl="1"/>
             <a:r>
-              <a:rPr lang="nl-NL" dirty="0"/>
-              <a:t>Treintje voor python </a:t>
-            </a:r>
-            <a:r>
-              <a:rPr lang="nl-NL" dirty="0" err="1"/>
-              <a:t>build</a:t>
-            </a:r>
-            <a:r>
-              <a:rPr lang="nl-NL" dirty="0"/>
-              <a:t>/tests</a:t>
-            </a:r>
-          </a:p>
-          <a:p>
-            <a:pPr lvl="1"/>
-            <a:endParaRPr lang="nl-NL" dirty="0"/>
+              <a:rPr lang="en-US" dirty="0"/>
+              <a:t>Probabilistic toolkit connection</a:t>
+            </a:r>
           </a:p>
         </p:txBody>
       </p:sp>
@@ -15539,7 +17773,7 @@
           <p:cNvPr id="4" name="Date Placeholder 3">
             <a:extLst>
               <a:ext uri="{FF2B5EF4-FFF2-40B4-BE49-F238E27FC236}">
-                <a16:creationId xmlns:a16="http://schemas.microsoft.com/office/drawing/2014/main" id="{2D1DD9FF-1EE5-0105-9F10-EA4A882C009C}"/>
+                <a16:creationId xmlns:a16="http://schemas.microsoft.com/office/drawing/2014/main" id="{C07D9947-7CDC-DD44-8BE1-E815C3CF8C7D}"/>
               </a:ext>
             </a:extLst>
           </p:cNvPr>
@@ -15564,7 +17798,7 @@
           <p:cNvPr id="5" name="Slide Number Placeholder 4">
             <a:extLst>
               <a:ext uri="{FF2B5EF4-FFF2-40B4-BE49-F238E27FC236}">
-                <a16:creationId xmlns:a16="http://schemas.microsoft.com/office/drawing/2014/main" id="{A165CE8E-A704-55EA-BE47-06F62FF04B85}"/>
+                <a16:creationId xmlns:a16="http://schemas.microsoft.com/office/drawing/2014/main" id="{F498012C-BFB9-4159-DAF5-E688817C7D0F}"/>
               </a:ext>
             </a:extLst>
           </p:cNvPr>
@@ -15582,7 +17816,215 @@
           <a:p>
             <a:fld id="{F42B3F14-D836-496B-80A2-23BE75BD68CB}" type="slidenum">
               <a:rPr lang="nl-NL" smtClean="0"/>
-              <a:t>10</a:t>
+              <a:t>12</a:t>
+            </a:fld>
+            <a:endParaRPr lang="nl-NL"/>
+          </a:p>
+        </p:txBody>
+      </p:sp>
+    </p:spTree>
+    <p:extLst>
+      <p:ext uri="{BB962C8B-B14F-4D97-AF65-F5344CB8AC3E}">
+        <p14:creationId xmlns:p14="http://schemas.microsoft.com/office/powerpoint/2010/main" val="3730504956"/>
+      </p:ext>
+    </p:extLst>
+  </p:cSld>
+  <p:clrMapOvr>
+    <a:masterClrMapping/>
+  </p:clrMapOvr>
+</p:sld>
+</file>
+
+<file path=ppt/slides/slide13.xml><?xml version="1.0" encoding="utf-8"?>
+<p:sld xmlns:a="http://schemas.openxmlformats.org/drawingml/2006/main" xmlns:r="http://schemas.openxmlformats.org/officeDocument/2006/relationships" xmlns:p="http://schemas.openxmlformats.org/presentationml/2006/main">
+  <p:cSld>
+    <p:spTree>
+      <p:nvGrpSpPr>
+        <p:cNvPr id="1" name=""/>
+        <p:cNvGrpSpPr/>
+        <p:nvPr/>
+      </p:nvGrpSpPr>
+      <p:grpSpPr>
+        <a:xfrm>
+          <a:off x="0" y="0"/>
+          <a:ext cx="0" cy="0"/>
+          <a:chOff x="0" y="0"/>
+          <a:chExt cx="0" cy="0"/>
+        </a:xfrm>
+      </p:grpSpPr>
+      <p:sp>
+        <p:nvSpPr>
+          <p:cNvPr id="2" name="Title 1">
+            <a:extLst>
+              <a:ext uri="{FF2B5EF4-FFF2-40B4-BE49-F238E27FC236}">
+                <a16:creationId xmlns:a16="http://schemas.microsoft.com/office/drawing/2014/main" id="{3025C182-D1B0-6615-245D-1CB692AA42F4}"/>
+              </a:ext>
+            </a:extLst>
+          </p:cNvPr>
+          <p:cNvSpPr>
+            <a:spLocks noGrp="1"/>
+          </p:cNvSpPr>
+          <p:nvPr>
+            <p:ph type="title"/>
+          </p:nvPr>
+        </p:nvSpPr>
+        <p:spPr/>
+        <p:txBody>
+          <a:bodyPr/>
+          <a:lstStyle/>
+          <a:p>
+            <a:r>
+              <a:rPr lang="nl-NL" dirty="0"/>
+              <a:t>Demo 2</a:t>
+            </a:r>
+          </a:p>
+        </p:txBody>
+      </p:sp>
+      <p:sp>
+        <p:nvSpPr>
+          <p:cNvPr id="3" name="Content Placeholder 2">
+            <a:extLst>
+              <a:ext uri="{FF2B5EF4-FFF2-40B4-BE49-F238E27FC236}">
+                <a16:creationId xmlns:a16="http://schemas.microsoft.com/office/drawing/2014/main" id="{72574C8B-4F73-CF9F-CD48-3ECD1890C732}"/>
+              </a:ext>
+            </a:extLst>
+          </p:cNvPr>
+          <p:cNvSpPr>
+            <a:spLocks noGrp="1"/>
+          </p:cNvSpPr>
+          <p:nvPr>
+            <p:ph idx="1"/>
+          </p:nvPr>
+        </p:nvSpPr>
+        <p:spPr/>
+        <p:txBody>
+          <a:bodyPr/>
+          <a:lstStyle/>
+          <a:p>
+            <a:r>
+              <a:rPr lang="nl-NL" dirty="0"/>
+              <a:t>JIRA</a:t>
+            </a:r>
+          </a:p>
+          <a:p>
+            <a:r>
+              <a:rPr lang="nl-NL" dirty="0"/>
+              <a:t>Github</a:t>
+            </a:r>
+          </a:p>
+          <a:p>
+            <a:r>
+              <a:rPr lang="nl-NL" dirty="0" err="1"/>
+              <a:t>TeamCity</a:t>
+            </a:r>
+            <a:endParaRPr lang="nl-NL" dirty="0"/>
+          </a:p>
+          <a:p>
+            <a:pPr lvl="1"/>
+            <a:r>
+              <a:rPr lang="nl-NL" dirty="0" err="1"/>
+              <a:t>Sig</a:t>
+            </a:r>
+            <a:r>
+              <a:rPr lang="nl-NL" dirty="0"/>
+              <a:t> </a:t>
+            </a:r>
+            <a:r>
+              <a:rPr lang="nl-NL" dirty="0" err="1"/>
+              <a:t>build</a:t>
+            </a:r>
+            <a:endParaRPr lang="nl-NL" dirty="0"/>
+          </a:p>
+          <a:p>
+            <a:pPr lvl="1"/>
+            <a:r>
+              <a:rPr lang="nl-NL" dirty="0"/>
+              <a:t>Code </a:t>
+            </a:r>
+            <a:r>
+              <a:rPr lang="nl-NL" dirty="0" err="1"/>
+              <a:t>coverage</a:t>
+            </a:r>
+            <a:r>
+              <a:rPr lang="nl-NL" dirty="0"/>
+              <a:t> </a:t>
+            </a:r>
+            <a:r>
+              <a:rPr lang="nl-NL" dirty="0" err="1"/>
+              <a:t>build</a:t>
+            </a:r>
+            <a:endParaRPr lang="nl-NL" dirty="0"/>
+          </a:p>
+          <a:p>
+            <a:pPr lvl="1"/>
+            <a:r>
+              <a:rPr lang="nl-NL" dirty="0"/>
+              <a:t>Treintje voor python </a:t>
+            </a:r>
+            <a:r>
+              <a:rPr lang="nl-NL" dirty="0" err="1"/>
+              <a:t>build</a:t>
+            </a:r>
+            <a:r>
+              <a:rPr lang="nl-NL" dirty="0"/>
+              <a:t>/tests</a:t>
+            </a:r>
+          </a:p>
+          <a:p>
+            <a:pPr lvl="1"/>
+            <a:endParaRPr lang="nl-NL" dirty="0"/>
+          </a:p>
+        </p:txBody>
+      </p:sp>
+      <p:sp>
+        <p:nvSpPr>
+          <p:cNvPr id="4" name="Date Placeholder 3">
+            <a:extLst>
+              <a:ext uri="{FF2B5EF4-FFF2-40B4-BE49-F238E27FC236}">
+                <a16:creationId xmlns:a16="http://schemas.microsoft.com/office/drawing/2014/main" id="{2D1DD9FF-1EE5-0105-9F10-EA4A882C009C}"/>
+              </a:ext>
+            </a:extLst>
+          </p:cNvPr>
+          <p:cNvSpPr>
+            <a:spLocks noGrp="1"/>
+          </p:cNvSpPr>
+          <p:nvPr>
+            <p:ph type="dt" sz="half" idx="10"/>
+          </p:nvPr>
+        </p:nvSpPr>
+        <p:spPr/>
+        <p:txBody>
+          <a:bodyPr/>
+          <a:lstStyle/>
+          <a:p>
+            <a:endParaRPr lang="nl-NL"/>
+          </a:p>
+        </p:txBody>
+      </p:sp>
+      <p:sp>
+        <p:nvSpPr>
+          <p:cNvPr id="5" name="Slide Number Placeholder 4">
+            <a:extLst>
+              <a:ext uri="{FF2B5EF4-FFF2-40B4-BE49-F238E27FC236}">
+                <a16:creationId xmlns:a16="http://schemas.microsoft.com/office/drawing/2014/main" id="{A165CE8E-A704-55EA-BE47-06F62FF04B85}"/>
+              </a:ext>
+            </a:extLst>
+          </p:cNvPr>
+          <p:cNvSpPr>
+            <a:spLocks noGrp="1"/>
+          </p:cNvSpPr>
+          <p:nvPr>
+            <p:ph type="sldNum" sz="quarter" idx="12"/>
+          </p:nvPr>
+        </p:nvSpPr>
+        <p:spPr/>
+        <p:txBody>
+          <a:bodyPr/>
+          <a:lstStyle/>
+          <a:p>
+            <a:fld id="{F42B3F14-D836-496B-80A2-23BE75BD68CB}" type="slidenum">
+              <a:rPr lang="nl-NL" smtClean="0"/>
+              <a:t>13</a:t>
             </a:fld>
             <a:endParaRPr lang="nl-NL"/>
           </a:p>
@@ -15601,7 +18043,7 @@
 </p:sld>
 </file>
 
-<file path=ppt/slides/slide11.xml><?xml version="1.0" encoding="utf-8"?>
+<file path=ppt/slides/slide14.xml><?xml version="1.0" encoding="utf-8"?>
 <p:sld xmlns:a="http://schemas.openxmlformats.org/drawingml/2006/main" xmlns:r="http://schemas.openxmlformats.org/officeDocument/2006/relationships" xmlns:p="http://schemas.openxmlformats.org/presentationml/2006/main">
   <p:cSld>
     <p:spTree>
@@ -16110,7 +18552,7 @@
 </p:sld>
 </file>
 
-<file path=ppt/slides/slide12.xml><?xml version="1.0" encoding="utf-8"?>
+<file path=ppt/slides/slide15.xml><?xml version="1.0" encoding="utf-8"?>
 <p:sld xmlns:a="http://schemas.openxmlformats.org/drawingml/2006/main" xmlns:r="http://schemas.openxmlformats.org/officeDocument/2006/relationships" xmlns:p="http://schemas.openxmlformats.org/presentationml/2006/main">
   <p:cSld>
     <p:spTree>
@@ -16320,7 +18762,7 @@
             <a:fld id="{F42B3F14-D836-496B-80A2-23BE75BD68CB}" type="slidenum">
               <a:rPr lang="en-GB" smtClean="0"/>
               <a:pPr/>
-              <a:t>12</a:t>
+              <a:t>15</a:t>
             </a:fld>
             <a:endParaRPr lang="en-GB" dirty="0"/>
           </a:p>
@@ -27792,15 +30234,7 @@
             <a:pPr algn="ctr"/>
             <a:r>
               <a:rPr lang="en-US" sz="1400" dirty="0"/>
-              <a:t>D-</a:t>
-            </a:r>
-            <a:r>
-              <a:rPr lang="en-US" sz="1400" dirty="0" err="1"/>
-              <a:t>GeoStability</a:t>
-            </a:r>
-            <a:r>
-              <a:rPr lang="en-US" sz="1400" dirty="0"/>
-              <a:t> exe</a:t>
+              <a:t>D-Stability exe</a:t>
             </a:r>
           </a:p>
         </p:txBody>
@@ -28919,7 +31353,7 @@
           <p:cNvPr id="2" name="Title 1">
             <a:extLst>
               <a:ext uri="{FF2B5EF4-FFF2-40B4-BE49-F238E27FC236}">
-                <a16:creationId xmlns:a16="http://schemas.microsoft.com/office/drawing/2014/main" id="{B4159449-A158-8C12-0348-DC8253F587C0}"/>
+                <a16:creationId xmlns:a16="http://schemas.microsoft.com/office/drawing/2014/main" id="{DB376C9D-932E-557C-2120-11E9F3EBA30E}"/>
               </a:ext>
             </a:extLst>
           </p:cNvPr>
@@ -28930,63 +31364,19 @@
             <p:ph type="title"/>
           </p:nvPr>
         </p:nvSpPr>
-        <p:spPr/>
+        <p:spPr>
+          <a:xfrm>
+            <a:off x="420005" y="326571"/>
+            <a:ext cx="10517113" cy="936000"/>
+          </a:xfrm>
+        </p:spPr>
         <p:txBody>
           <a:bodyPr/>
           <a:lstStyle/>
           <a:p>
             <a:r>
               <a:rPr lang="en-US" dirty="0"/>
-              <a:t>Demo 1</a:t>
-            </a:r>
-          </a:p>
-        </p:txBody>
-      </p:sp>
-      <p:sp>
-        <p:nvSpPr>
-          <p:cNvPr id="3" name="Content Placeholder 2">
-            <a:extLst>
-              <a:ext uri="{FF2B5EF4-FFF2-40B4-BE49-F238E27FC236}">
-                <a16:creationId xmlns:a16="http://schemas.microsoft.com/office/drawing/2014/main" id="{025A59F3-3FD4-5A84-5932-05F4C2BC5C75}"/>
-              </a:ext>
-            </a:extLst>
-          </p:cNvPr>
-          <p:cNvSpPr>
-            <a:spLocks noGrp="1"/>
-          </p:cNvSpPr>
-          <p:nvPr>
-            <p:ph idx="1"/>
-          </p:nvPr>
-        </p:nvSpPr>
-        <p:spPr/>
-        <p:txBody>
-          <a:bodyPr/>
-          <a:lstStyle/>
-          <a:p>
-            <a:r>
-              <a:rPr lang="en-US" dirty="0"/>
-              <a:t>Notebooks:</a:t>
-            </a:r>
-          </a:p>
-          <a:p>
-            <a:pPr lvl="1"/>
-            <a:r>
-              <a:rPr lang="en-US" dirty="0"/>
-              <a:t>Run up example</a:t>
-            </a:r>
-          </a:p>
-          <a:p>
-            <a:pPr lvl="1"/>
-            <a:r>
-              <a:rPr lang="en-US" dirty="0"/>
-              <a:t>Hydra-Ring</a:t>
-            </a:r>
-          </a:p>
-          <a:p>
-            <a:pPr lvl="1"/>
-            <a:r>
-              <a:rPr lang="en-US" dirty="0"/>
-              <a:t>Probabilistic toolkit connection</a:t>
+              <a:t>Probabilistic library – Language interface 1</a:t>
             </a:r>
           </a:p>
         </p:txBody>
@@ -28996,7 +31386,7 @@
           <p:cNvPr id="4" name="Date Placeholder 3">
             <a:extLst>
               <a:ext uri="{FF2B5EF4-FFF2-40B4-BE49-F238E27FC236}">
-                <a16:creationId xmlns:a16="http://schemas.microsoft.com/office/drawing/2014/main" id="{C07D9947-7CDC-DD44-8BE1-E815C3CF8C7D}"/>
+                <a16:creationId xmlns:a16="http://schemas.microsoft.com/office/drawing/2014/main" id="{988D0ED6-04EE-86B4-DB69-829AEE692734}"/>
               </a:ext>
             </a:extLst>
           </p:cNvPr>
@@ -29021,7 +31411,7 @@
           <p:cNvPr id="5" name="Slide Number Placeholder 4">
             <a:extLst>
               <a:ext uri="{FF2B5EF4-FFF2-40B4-BE49-F238E27FC236}">
-                <a16:creationId xmlns:a16="http://schemas.microsoft.com/office/drawing/2014/main" id="{F498012C-BFB9-4159-DAF5-E688817C7D0F}"/>
+                <a16:creationId xmlns:a16="http://schemas.microsoft.com/office/drawing/2014/main" id="{6C079ADE-81B7-788D-829D-C538ADF4CC0D}"/>
               </a:ext>
             </a:extLst>
           </p:cNvPr>
@@ -29045,16 +31435,945 @@
           </a:p>
         </p:txBody>
       </p:sp>
+      <p:pic>
+        <p:nvPicPr>
+          <p:cNvPr id="7" name="Picture 6">
+            <a:extLst>
+              <a:ext uri="{FF2B5EF4-FFF2-40B4-BE49-F238E27FC236}">
+                <a16:creationId xmlns:a16="http://schemas.microsoft.com/office/drawing/2014/main" id="{2F2F73D3-F9D1-31D4-F0C9-B0652FC4922E}"/>
+              </a:ext>
+            </a:extLst>
+          </p:cNvPr>
+          <p:cNvPicPr>
+            <a:picLocks noChangeAspect="1"/>
+          </p:cNvPicPr>
+          <p:nvPr/>
+        </p:nvPicPr>
+        <p:blipFill>
+          <a:blip r:embed="rId2"/>
+          <a:stretch>
+            <a:fillRect/>
+          </a:stretch>
+        </p:blipFill>
+        <p:spPr>
+          <a:xfrm>
+            <a:off x="559156" y="1858870"/>
+            <a:ext cx="4628839" cy="2983718"/>
+          </a:xfrm>
+          <a:prstGeom prst="rect">
+            <a:avLst/>
+          </a:prstGeom>
+        </p:spPr>
+      </p:pic>
+      <p:pic>
+        <p:nvPicPr>
+          <p:cNvPr id="9" name="Picture 8">
+            <a:extLst>
+              <a:ext uri="{FF2B5EF4-FFF2-40B4-BE49-F238E27FC236}">
+                <a16:creationId xmlns:a16="http://schemas.microsoft.com/office/drawing/2014/main" id="{6B45A888-BD21-05B7-3E5E-F6CFF173CDD1}"/>
+              </a:ext>
+            </a:extLst>
+          </p:cNvPr>
+          <p:cNvPicPr>
+            <a:picLocks noChangeAspect="1"/>
+          </p:cNvPicPr>
+          <p:nvPr/>
+        </p:nvPicPr>
+        <p:blipFill>
+          <a:blip r:embed="rId3"/>
+          <a:stretch>
+            <a:fillRect/>
+          </a:stretch>
+        </p:blipFill>
+        <p:spPr>
+          <a:xfrm>
+            <a:off x="8236544" y="1711845"/>
+            <a:ext cx="3577727" cy="1897533"/>
+          </a:xfrm>
+          <a:prstGeom prst="rect">
+            <a:avLst/>
+          </a:prstGeom>
+        </p:spPr>
+      </p:pic>
+      <p:sp>
+        <p:nvSpPr>
+          <p:cNvPr id="10" name="Rectangle 9">
+            <a:extLst>
+              <a:ext uri="{FF2B5EF4-FFF2-40B4-BE49-F238E27FC236}">
+                <a16:creationId xmlns:a16="http://schemas.microsoft.com/office/drawing/2014/main" id="{3A2CB46B-D313-87B6-0E1E-4FA39FD50821}"/>
+              </a:ext>
+            </a:extLst>
+          </p:cNvPr>
+          <p:cNvSpPr/>
+          <p:nvPr/>
+        </p:nvSpPr>
+        <p:spPr>
+          <a:xfrm>
+            <a:off x="377729" y="1356240"/>
+            <a:ext cx="4106889" cy="4102166"/>
+          </a:xfrm>
+          <a:prstGeom prst="rect">
+            <a:avLst/>
+          </a:prstGeom>
+          <a:noFill/>
+          <a:ln>
+            <a:solidFill>
+              <a:schemeClr val="tx1"/>
+            </a:solidFill>
+          </a:ln>
+        </p:spPr>
+        <p:style>
+          <a:lnRef idx="2">
+            <a:schemeClr val="accent1">
+              <a:shade val="15000"/>
+            </a:schemeClr>
+          </a:lnRef>
+          <a:fillRef idx="1">
+            <a:schemeClr val="accent1"/>
+          </a:fillRef>
+          <a:effectRef idx="0">
+            <a:schemeClr val="accent1"/>
+          </a:effectRef>
+          <a:fontRef idx="minor">
+            <a:schemeClr val="lt1"/>
+          </a:fontRef>
+        </p:style>
+        <p:txBody>
+          <a:bodyPr rtlCol="0" anchor="t"/>
+          <a:lstStyle/>
+          <a:p>
+            <a:r>
+              <a:rPr lang="en-US" dirty="0">
+                <a:solidFill>
+                  <a:schemeClr val="tx1"/>
+                </a:solidFill>
+              </a:rPr>
+              <a:t>Python</a:t>
+            </a:r>
+          </a:p>
+        </p:txBody>
+      </p:sp>
+      <p:sp>
+        <p:nvSpPr>
+          <p:cNvPr id="11" name="Rectangle 10">
+            <a:extLst>
+              <a:ext uri="{FF2B5EF4-FFF2-40B4-BE49-F238E27FC236}">
+                <a16:creationId xmlns:a16="http://schemas.microsoft.com/office/drawing/2014/main" id="{C60E1E41-2552-3B7A-8CF9-8D4824548DAF}"/>
+              </a:ext>
+            </a:extLst>
+          </p:cNvPr>
+          <p:cNvSpPr/>
+          <p:nvPr/>
+        </p:nvSpPr>
+        <p:spPr>
+          <a:xfrm>
+            <a:off x="8451713" y="1356239"/>
+            <a:ext cx="3249616" cy="4102167"/>
+          </a:xfrm>
+          <a:prstGeom prst="rect">
+            <a:avLst/>
+          </a:prstGeom>
+          <a:noFill/>
+          <a:ln>
+            <a:solidFill>
+              <a:schemeClr val="tx1"/>
+            </a:solidFill>
+          </a:ln>
+        </p:spPr>
+        <p:style>
+          <a:lnRef idx="2">
+            <a:schemeClr val="accent1">
+              <a:shade val="15000"/>
+            </a:schemeClr>
+          </a:lnRef>
+          <a:fillRef idx="1">
+            <a:schemeClr val="accent1"/>
+          </a:fillRef>
+          <a:effectRef idx="0">
+            <a:schemeClr val="accent1"/>
+          </a:effectRef>
+          <a:fontRef idx="minor">
+            <a:schemeClr val="lt1"/>
+          </a:fontRef>
+        </p:style>
+        <p:txBody>
+          <a:bodyPr rtlCol="0" anchor="t"/>
+          <a:lstStyle/>
+          <a:p>
+            <a:r>
+              <a:rPr lang="en-US" dirty="0">
+                <a:solidFill>
+                  <a:schemeClr val="tx1"/>
+                </a:solidFill>
+              </a:rPr>
+              <a:t>C++</a:t>
+            </a:r>
+          </a:p>
+        </p:txBody>
+      </p:sp>
+      <p:pic>
+        <p:nvPicPr>
+          <p:cNvPr id="16" name="Picture 15">
+            <a:extLst>
+              <a:ext uri="{FF2B5EF4-FFF2-40B4-BE49-F238E27FC236}">
+                <a16:creationId xmlns:a16="http://schemas.microsoft.com/office/drawing/2014/main" id="{DF6C91F7-E3C2-50F9-D315-FC4EFDF3982C}"/>
+              </a:ext>
+            </a:extLst>
+          </p:cNvPr>
+          <p:cNvPicPr>
+            <a:picLocks noChangeAspect="1"/>
+          </p:cNvPicPr>
+          <p:nvPr/>
+        </p:nvPicPr>
+        <p:blipFill>
+          <a:blip r:embed="rId4"/>
+          <a:stretch>
+            <a:fillRect/>
+          </a:stretch>
+        </p:blipFill>
+        <p:spPr>
+          <a:xfrm>
+            <a:off x="4812882" y="1777574"/>
+            <a:ext cx="3638831" cy="3248729"/>
+          </a:xfrm>
+          <a:prstGeom prst="rect">
+            <a:avLst/>
+          </a:prstGeom>
+        </p:spPr>
+      </p:pic>
+      <p:sp>
+        <p:nvSpPr>
+          <p:cNvPr id="14" name="Rectangle 13">
+            <a:extLst>
+              <a:ext uri="{FF2B5EF4-FFF2-40B4-BE49-F238E27FC236}">
+                <a16:creationId xmlns:a16="http://schemas.microsoft.com/office/drawing/2014/main" id="{7AE1FDD8-2975-C11D-3ED4-3718FFD921B8}"/>
+              </a:ext>
+            </a:extLst>
+          </p:cNvPr>
+          <p:cNvSpPr/>
+          <p:nvPr/>
+        </p:nvSpPr>
+        <p:spPr>
+          <a:xfrm>
+            <a:off x="4734071" y="1356241"/>
+            <a:ext cx="3577727" cy="4102167"/>
+          </a:xfrm>
+          <a:prstGeom prst="rect">
+            <a:avLst/>
+          </a:prstGeom>
+          <a:noFill/>
+          <a:ln>
+            <a:solidFill>
+              <a:schemeClr val="tx1"/>
+            </a:solidFill>
+          </a:ln>
+        </p:spPr>
+        <p:style>
+          <a:lnRef idx="2">
+            <a:schemeClr val="accent1">
+              <a:shade val="15000"/>
+            </a:schemeClr>
+          </a:lnRef>
+          <a:fillRef idx="1">
+            <a:schemeClr val="accent1"/>
+          </a:fillRef>
+          <a:effectRef idx="0">
+            <a:schemeClr val="accent1"/>
+          </a:effectRef>
+          <a:fontRef idx="minor">
+            <a:schemeClr val="lt1"/>
+          </a:fontRef>
+        </p:style>
+        <p:txBody>
+          <a:bodyPr rtlCol="0" anchor="t"/>
+          <a:lstStyle/>
+          <a:p>
+            <a:r>
+              <a:rPr lang="en-US" dirty="0">
+                <a:solidFill>
+                  <a:schemeClr val="tx1"/>
+                </a:solidFill>
+              </a:rPr>
+              <a:t>C DLL</a:t>
+            </a:r>
+          </a:p>
+        </p:txBody>
+      </p:sp>
+      <p:sp>
+        <p:nvSpPr>
+          <p:cNvPr id="17" name="Rectangle 16">
+            <a:extLst>
+              <a:ext uri="{FF2B5EF4-FFF2-40B4-BE49-F238E27FC236}">
+                <a16:creationId xmlns:a16="http://schemas.microsoft.com/office/drawing/2014/main" id="{E1B4AA8E-872E-1F82-A5CE-218B6FB74BF0}"/>
+              </a:ext>
+            </a:extLst>
+          </p:cNvPr>
+          <p:cNvSpPr/>
+          <p:nvPr/>
+        </p:nvSpPr>
+        <p:spPr>
+          <a:xfrm>
+            <a:off x="1493446" y="5803073"/>
+            <a:ext cx="1875453" cy="503259"/>
+          </a:xfrm>
+          <a:prstGeom prst="rect">
+            <a:avLst/>
+          </a:prstGeom>
+          <a:solidFill>
+            <a:schemeClr val="tx2">
+              <a:lumMod val="20000"/>
+              <a:lumOff val="80000"/>
+            </a:schemeClr>
+          </a:solidFill>
+        </p:spPr>
+        <p:style>
+          <a:lnRef idx="2">
+            <a:schemeClr val="accent1">
+              <a:shade val="15000"/>
+            </a:schemeClr>
+          </a:lnRef>
+          <a:fillRef idx="1">
+            <a:schemeClr val="accent1"/>
+          </a:fillRef>
+          <a:effectRef idx="0">
+            <a:schemeClr val="accent1"/>
+          </a:effectRef>
+          <a:fontRef idx="minor">
+            <a:schemeClr val="lt1"/>
+          </a:fontRef>
+        </p:style>
+        <p:txBody>
+          <a:bodyPr rtlCol="0" anchor="ctr"/>
+          <a:lstStyle/>
+          <a:p>
+            <a:pPr algn="ctr"/>
+            <a:r>
+              <a:rPr lang="en-US" dirty="0">
+                <a:solidFill>
+                  <a:schemeClr val="tx1"/>
+                </a:solidFill>
+              </a:rPr>
+              <a:t>Shadow class</a:t>
+            </a:r>
+          </a:p>
+        </p:txBody>
+      </p:sp>
+      <p:sp>
+        <p:nvSpPr>
+          <p:cNvPr id="18" name="Rectangle 17">
+            <a:extLst>
+              <a:ext uri="{FF2B5EF4-FFF2-40B4-BE49-F238E27FC236}">
+                <a16:creationId xmlns:a16="http://schemas.microsoft.com/office/drawing/2014/main" id="{A8C1A91C-A46D-C45B-964E-41360D66F2C4}"/>
+              </a:ext>
+            </a:extLst>
+          </p:cNvPr>
+          <p:cNvSpPr/>
+          <p:nvPr/>
+        </p:nvSpPr>
+        <p:spPr>
+          <a:xfrm>
+            <a:off x="9138794" y="5803074"/>
+            <a:ext cx="1875453" cy="503259"/>
+          </a:xfrm>
+          <a:prstGeom prst="rect">
+            <a:avLst/>
+          </a:prstGeom>
+          <a:solidFill>
+            <a:schemeClr val="tx2">
+              <a:lumMod val="20000"/>
+              <a:lumOff val="80000"/>
+            </a:schemeClr>
+          </a:solidFill>
+        </p:spPr>
+        <p:style>
+          <a:lnRef idx="2">
+            <a:schemeClr val="accent1">
+              <a:shade val="15000"/>
+            </a:schemeClr>
+          </a:lnRef>
+          <a:fillRef idx="1">
+            <a:schemeClr val="accent1"/>
+          </a:fillRef>
+          <a:effectRef idx="0">
+            <a:schemeClr val="accent1"/>
+          </a:effectRef>
+          <a:fontRef idx="minor">
+            <a:schemeClr val="lt1"/>
+          </a:fontRef>
+        </p:style>
+        <p:txBody>
+          <a:bodyPr rtlCol="0" anchor="ctr"/>
+          <a:lstStyle/>
+          <a:p>
+            <a:pPr algn="ctr"/>
+            <a:r>
+              <a:rPr lang="en-US" dirty="0">
+                <a:solidFill>
+                  <a:schemeClr val="tx1"/>
+                </a:solidFill>
+              </a:rPr>
+              <a:t>Base class</a:t>
+            </a:r>
+          </a:p>
+        </p:txBody>
+      </p:sp>
+      <p:sp>
+        <p:nvSpPr>
+          <p:cNvPr id="21" name="Arrow: Left-Right 20">
+            <a:extLst>
+              <a:ext uri="{FF2B5EF4-FFF2-40B4-BE49-F238E27FC236}">
+                <a16:creationId xmlns:a16="http://schemas.microsoft.com/office/drawing/2014/main" id="{9272A9E7-F80E-99E9-9568-0572E6BC706E}"/>
+              </a:ext>
+            </a:extLst>
+          </p:cNvPr>
+          <p:cNvSpPr/>
+          <p:nvPr/>
+        </p:nvSpPr>
+        <p:spPr>
+          <a:xfrm>
+            <a:off x="3368899" y="5979624"/>
+            <a:ext cx="5769895" cy="187911"/>
+          </a:xfrm>
+          <a:prstGeom prst="leftRightArrow">
+            <a:avLst/>
+          </a:prstGeom>
+        </p:spPr>
+        <p:style>
+          <a:lnRef idx="2">
+            <a:schemeClr val="accent1">
+              <a:shade val="15000"/>
+            </a:schemeClr>
+          </a:lnRef>
+          <a:fillRef idx="1">
+            <a:schemeClr val="accent1"/>
+          </a:fillRef>
+          <a:effectRef idx="0">
+            <a:schemeClr val="accent1"/>
+          </a:effectRef>
+          <a:fontRef idx="minor">
+            <a:schemeClr val="lt1"/>
+          </a:fontRef>
+        </p:style>
+        <p:txBody>
+          <a:bodyPr rtlCol="0" anchor="ctr"/>
+          <a:lstStyle/>
+          <a:p>
+            <a:pPr algn="ctr"/>
+            <a:endParaRPr lang="en-US"/>
+          </a:p>
+        </p:txBody>
+      </p:sp>
+      <p:sp>
+        <p:nvSpPr>
+          <p:cNvPr id="22" name="Arrow: Left-Right 21">
+            <a:extLst>
+              <a:ext uri="{FF2B5EF4-FFF2-40B4-BE49-F238E27FC236}">
+                <a16:creationId xmlns:a16="http://schemas.microsoft.com/office/drawing/2014/main" id="{FD0FB980-9FBD-FAE9-EB53-9D05B223ACAE}"/>
+              </a:ext>
+            </a:extLst>
+          </p:cNvPr>
+          <p:cNvSpPr/>
+          <p:nvPr/>
+        </p:nvSpPr>
+        <p:spPr>
+          <a:xfrm rot="16200000">
+            <a:off x="2265476" y="5560432"/>
+            <a:ext cx="331392" cy="153889"/>
+          </a:xfrm>
+          <a:prstGeom prst="leftRightArrow">
+            <a:avLst/>
+          </a:prstGeom>
+        </p:spPr>
+        <p:style>
+          <a:lnRef idx="2">
+            <a:schemeClr val="accent1">
+              <a:shade val="15000"/>
+            </a:schemeClr>
+          </a:lnRef>
+          <a:fillRef idx="1">
+            <a:schemeClr val="accent1"/>
+          </a:fillRef>
+          <a:effectRef idx="0">
+            <a:schemeClr val="accent1"/>
+          </a:effectRef>
+          <a:fontRef idx="minor">
+            <a:schemeClr val="lt1"/>
+          </a:fontRef>
+        </p:style>
+        <p:txBody>
+          <a:bodyPr rtlCol="0" anchor="ctr"/>
+          <a:lstStyle/>
+          <a:p>
+            <a:pPr algn="ctr"/>
+            <a:endParaRPr lang="en-US"/>
+          </a:p>
+        </p:txBody>
+      </p:sp>
+      <p:sp>
+        <p:nvSpPr>
+          <p:cNvPr id="23" name="Arrow: Left-Right 22">
+            <a:extLst>
+              <a:ext uri="{FF2B5EF4-FFF2-40B4-BE49-F238E27FC236}">
+                <a16:creationId xmlns:a16="http://schemas.microsoft.com/office/drawing/2014/main" id="{1EF2E0B3-4D18-BEB6-E14B-6343DC46EECC}"/>
+              </a:ext>
+            </a:extLst>
+          </p:cNvPr>
+          <p:cNvSpPr/>
+          <p:nvPr/>
+        </p:nvSpPr>
+        <p:spPr>
+          <a:xfrm rot="16200000">
+            <a:off x="9910824" y="5553796"/>
+            <a:ext cx="331392" cy="153889"/>
+          </a:xfrm>
+          <a:prstGeom prst="leftRightArrow">
+            <a:avLst/>
+          </a:prstGeom>
+        </p:spPr>
+        <p:style>
+          <a:lnRef idx="2">
+            <a:schemeClr val="accent1">
+              <a:shade val="15000"/>
+            </a:schemeClr>
+          </a:lnRef>
+          <a:fillRef idx="1">
+            <a:schemeClr val="accent1"/>
+          </a:fillRef>
+          <a:effectRef idx="0">
+            <a:schemeClr val="accent1"/>
+          </a:effectRef>
+          <a:fontRef idx="minor">
+            <a:schemeClr val="lt1"/>
+          </a:fontRef>
+        </p:style>
+        <p:txBody>
+          <a:bodyPr rtlCol="0" anchor="ctr"/>
+          <a:lstStyle/>
+          <a:p>
+            <a:pPr algn="ctr"/>
+            <a:endParaRPr lang="en-US"/>
+          </a:p>
+        </p:txBody>
+      </p:sp>
     </p:spTree>
     <p:extLst>
       <p:ext uri="{BB962C8B-B14F-4D97-AF65-F5344CB8AC3E}">
-        <p14:creationId xmlns:p14="http://schemas.microsoft.com/office/powerpoint/2010/main" val="3730504956"/>
+        <p14:creationId xmlns:p14="http://schemas.microsoft.com/office/powerpoint/2010/main" val="2644503639"/>
       </p:ext>
     </p:extLst>
   </p:cSld>
   <p:clrMapOvr>
     <a:masterClrMapping/>
   </p:clrMapOvr>
+  <p:timing>
+    <p:tnLst>
+      <p:par>
+        <p:cTn id="1" dur="indefinite" restart="never" nodeType="tmRoot">
+          <p:childTnLst>
+            <p:seq concurrent="1" nextAc="seek">
+              <p:cTn id="2" dur="indefinite" nodeType="mainSeq">
+                <p:childTnLst>
+                  <p:par>
+                    <p:cTn id="3" fill="hold">
+                      <p:stCondLst>
+                        <p:cond delay="indefinite"/>
+                      </p:stCondLst>
+                      <p:childTnLst>
+                        <p:par>
+                          <p:cTn id="4" fill="hold">
+                            <p:stCondLst>
+                              <p:cond delay="0"/>
+                            </p:stCondLst>
+                            <p:childTnLst>
+                              <p:par>
+                                <p:cTn id="5" presetID="1" presetClass="entr" presetSubtype="0" fill="hold" grpId="0" nodeType="clickEffect">
+                                  <p:stCondLst>
+                                    <p:cond delay="0"/>
+                                  </p:stCondLst>
+                                  <p:childTnLst>
+                                    <p:set>
+                                      <p:cBhvr>
+                                        <p:cTn id="6" dur="1" fill="hold">
+                                          <p:stCondLst>
+                                            <p:cond delay="0"/>
+                                          </p:stCondLst>
+                                        </p:cTn>
+                                        <p:tgtEl>
+                                          <p:spTgt spid="11"/>
+                                        </p:tgtEl>
+                                        <p:attrNameLst>
+                                          <p:attrName>style.visibility</p:attrName>
+                                        </p:attrNameLst>
+                                      </p:cBhvr>
+                                      <p:to>
+                                        <p:strVal val="visible"/>
+                                      </p:to>
+                                    </p:set>
+                                  </p:childTnLst>
+                                </p:cTn>
+                              </p:par>
+                              <p:par>
+                                <p:cTn id="7" presetID="1" presetClass="entr" presetSubtype="0" fill="hold" nodeType="withEffect">
+                                  <p:stCondLst>
+                                    <p:cond delay="0"/>
+                                  </p:stCondLst>
+                                  <p:childTnLst>
+                                    <p:set>
+                                      <p:cBhvr>
+                                        <p:cTn id="8" dur="1" fill="hold">
+                                          <p:stCondLst>
+                                            <p:cond delay="0"/>
+                                          </p:stCondLst>
+                                        </p:cTn>
+                                        <p:tgtEl>
+                                          <p:spTgt spid="9"/>
+                                        </p:tgtEl>
+                                        <p:attrNameLst>
+                                          <p:attrName>style.visibility</p:attrName>
+                                        </p:attrNameLst>
+                                      </p:cBhvr>
+                                      <p:to>
+                                        <p:strVal val="visible"/>
+                                      </p:to>
+                                    </p:set>
+                                  </p:childTnLst>
+                                </p:cTn>
+                              </p:par>
+                            </p:childTnLst>
+                          </p:cTn>
+                        </p:par>
+                      </p:childTnLst>
+                    </p:cTn>
+                  </p:par>
+                  <p:par>
+                    <p:cTn id="9" fill="hold">
+                      <p:stCondLst>
+                        <p:cond delay="indefinite"/>
+                      </p:stCondLst>
+                      <p:childTnLst>
+                        <p:par>
+                          <p:cTn id="10" fill="hold">
+                            <p:stCondLst>
+                              <p:cond delay="0"/>
+                            </p:stCondLst>
+                            <p:childTnLst>
+                              <p:par>
+                                <p:cTn id="11" presetID="1" presetClass="entr" presetSubtype="0" fill="hold" grpId="0" nodeType="clickEffect">
+                                  <p:stCondLst>
+                                    <p:cond delay="0"/>
+                                  </p:stCondLst>
+                                  <p:childTnLst>
+                                    <p:set>
+                                      <p:cBhvr>
+                                        <p:cTn id="12" dur="1" fill="hold">
+                                          <p:stCondLst>
+                                            <p:cond delay="0"/>
+                                          </p:stCondLst>
+                                        </p:cTn>
+                                        <p:tgtEl>
+                                          <p:spTgt spid="10"/>
+                                        </p:tgtEl>
+                                        <p:attrNameLst>
+                                          <p:attrName>style.visibility</p:attrName>
+                                        </p:attrNameLst>
+                                      </p:cBhvr>
+                                      <p:to>
+                                        <p:strVal val="visible"/>
+                                      </p:to>
+                                    </p:set>
+                                  </p:childTnLst>
+                                </p:cTn>
+                              </p:par>
+                              <p:par>
+                                <p:cTn id="13" presetID="1" presetClass="entr" presetSubtype="0" fill="hold" nodeType="withEffect">
+                                  <p:stCondLst>
+                                    <p:cond delay="0"/>
+                                  </p:stCondLst>
+                                  <p:childTnLst>
+                                    <p:set>
+                                      <p:cBhvr>
+                                        <p:cTn id="14" dur="1" fill="hold">
+                                          <p:stCondLst>
+                                            <p:cond delay="0"/>
+                                          </p:stCondLst>
+                                        </p:cTn>
+                                        <p:tgtEl>
+                                          <p:spTgt spid="7"/>
+                                        </p:tgtEl>
+                                        <p:attrNameLst>
+                                          <p:attrName>style.visibility</p:attrName>
+                                        </p:attrNameLst>
+                                      </p:cBhvr>
+                                      <p:to>
+                                        <p:strVal val="visible"/>
+                                      </p:to>
+                                    </p:set>
+                                  </p:childTnLst>
+                                </p:cTn>
+                              </p:par>
+                            </p:childTnLst>
+                          </p:cTn>
+                        </p:par>
+                      </p:childTnLst>
+                    </p:cTn>
+                  </p:par>
+                  <p:par>
+                    <p:cTn id="15" fill="hold">
+                      <p:stCondLst>
+                        <p:cond delay="indefinite"/>
+                      </p:stCondLst>
+                      <p:childTnLst>
+                        <p:par>
+                          <p:cTn id="16" fill="hold">
+                            <p:stCondLst>
+                              <p:cond delay="0"/>
+                            </p:stCondLst>
+                            <p:childTnLst>
+                              <p:par>
+                                <p:cTn id="17" presetID="1" presetClass="entr" presetSubtype="0" fill="hold" grpId="0" nodeType="clickEffect">
+                                  <p:stCondLst>
+                                    <p:cond delay="0"/>
+                                  </p:stCondLst>
+                                  <p:childTnLst>
+                                    <p:set>
+                                      <p:cBhvr>
+                                        <p:cTn id="18" dur="1" fill="hold">
+                                          <p:stCondLst>
+                                            <p:cond delay="0"/>
+                                          </p:stCondLst>
+                                        </p:cTn>
+                                        <p:tgtEl>
+                                          <p:spTgt spid="14"/>
+                                        </p:tgtEl>
+                                        <p:attrNameLst>
+                                          <p:attrName>style.visibility</p:attrName>
+                                        </p:attrNameLst>
+                                      </p:cBhvr>
+                                      <p:to>
+                                        <p:strVal val="visible"/>
+                                      </p:to>
+                                    </p:set>
+                                  </p:childTnLst>
+                                </p:cTn>
+                              </p:par>
+                              <p:par>
+                                <p:cTn id="19" presetID="1" presetClass="entr" presetSubtype="0" fill="hold" nodeType="withEffect">
+                                  <p:stCondLst>
+                                    <p:cond delay="0"/>
+                                  </p:stCondLst>
+                                  <p:childTnLst>
+                                    <p:set>
+                                      <p:cBhvr>
+                                        <p:cTn id="20" dur="1" fill="hold">
+                                          <p:stCondLst>
+                                            <p:cond delay="0"/>
+                                          </p:stCondLst>
+                                        </p:cTn>
+                                        <p:tgtEl>
+                                          <p:spTgt spid="16"/>
+                                        </p:tgtEl>
+                                        <p:attrNameLst>
+                                          <p:attrName>style.visibility</p:attrName>
+                                        </p:attrNameLst>
+                                      </p:cBhvr>
+                                      <p:to>
+                                        <p:strVal val="visible"/>
+                                      </p:to>
+                                    </p:set>
+                                  </p:childTnLst>
+                                </p:cTn>
+                              </p:par>
+                            </p:childTnLst>
+                          </p:cTn>
+                        </p:par>
+                      </p:childTnLst>
+                    </p:cTn>
+                  </p:par>
+                  <p:par>
+                    <p:cTn id="21" fill="hold">
+                      <p:stCondLst>
+                        <p:cond delay="indefinite"/>
+                      </p:stCondLst>
+                      <p:childTnLst>
+                        <p:par>
+                          <p:cTn id="22" fill="hold">
+                            <p:stCondLst>
+                              <p:cond delay="0"/>
+                            </p:stCondLst>
+                            <p:childTnLst>
+                              <p:par>
+                                <p:cTn id="23" presetID="1" presetClass="entr" presetSubtype="0" fill="hold" grpId="0" nodeType="clickEffect">
+                                  <p:stCondLst>
+                                    <p:cond delay="0"/>
+                                  </p:stCondLst>
+                                  <p:childTnLst>
+                                    <p:set>
+                                      <p:cBhvr>
+                                        <p:cTn id="24" dur="1" fill="hold">
+                                          <p:stCondLst>
+                                            <p:cond delay="0"/>
+                                          </p:stCondLst>
+                                        </p:cTn>
+                                        <p:tgtEl>
+                                          <p:spTgt spid="22"/>
+                                        </p:tgtEl>
+                                        <p:attrNameLst>
+                                          <p:attrName>style.visibility</p:attrName>
+                                        </p:attrNameLst>
+                                      </p:cBhvr>
+                                      <p:to>
+                                        <p:strVal val="visible"/>
+                                      </p:to>
+                                    </p:set>
+                                  </p:childTnLst>
+                                </p:cTn>
+                              </p:par>
+                              <p:par>
+                                <p:cTn id="25" presetID="1" presetClass="entr" presetSubtype="0" fill="hold" grpId="0" nodeType="withEffect">
+                                  <p:stCondLst>
+                                    <p:cond delay="0"/>
+                                  </p:stCondLst>
+                                  <p:childTnLst>
+                                    <p:set>
+                                      <p:cBhvr>
+                                        <p:cTn id="26" dur="1" fill="hold">
+                                          <p:stCondLst>
+                                            <p:cond delay="0"/>
+                                          </p:stCondLst>
+                                        </p:cTn>
+                                        <p:tgtEl>
+                                          <p:spTgt spid="17"/>
+                                        </p:tgtEl>
+                                        <p:attrNameLst>
+                                          <p:attrName>style.visibility</p:attrName>
+                                        </p:attrNameLst>
+                                      </p:cBhvr>
+                                      <p:to>
+                                        <p:strVal val="visible"/>
+                                      </p:to>
+                                    </p:set>
+                                  </p:childTnLst>
+                                </p:cTn>
+                              </p:par>
+                              <p:par>
+                                <p:cTn id="27" presetID="1" presetClass="entr" presetSubtype="0" fill="hold" grpId="0" nodeType="withEffect">
+                                  <p:stCondLst>
+                                    <p:cond delay="0"/>
+                                  </p:stCondLst>
+                                  <p:childTnLst>
+                                    <p:set>
+                                      <p:cBhvr>
+                                        <p:cTn id="28" dur="1" fill="hold">
+                                          <p:stCondLst>
+                                            <p:cond delay="0"/>
+                                          </p:stCondLst>
+                                        </p:cTn>
+                                        <p:tgtEl>
+                                          <p:spTgt spid="21"/>
+                                        </p:tgtEl>
+                                        <p:attrNameLst>
+                                          <p:attrName>style.visibility</p:attrName>
+                                        </p:attrNameLst>
+                                      </p:cBhvr>
+                                      <p:to>
+                                        <p:strVal val="visible"/>
+                                      </p:to>
+                                    </p:set>
+                                  </p:childTnLst>
+                                </p:cTn>
+                              </p:par>
+                              <p:par>
+                                <p:cTn id="29" presetID="1" presetClass="entr" presetSubtype="0" fill="hold" grpId="0" nodeType="withEffect">
+                                  <p:stCondLst>
+                                    <p:cond delay="0"/>
+                                  </p:stCondLst>
+                                  <p:childTnLst>
+                                    <p:set>
+                                      <p:cBhvr>
+                                        <p:cTn id="30" dur="1" fill="hold">
+                                          <p:stCondLst>
+                                            <p:cond delay="0"/>
+                                          </p:stCondLst>
+                                        </p:cTn>
+                                        <p:tgtEl>
+                                          <p:spTgt spid="18"/>
+                                        </p:tgtEl>
+                                        <p:attrNameLst>
+                                          <p:attrName>style.visibility</p:attrName>
+                                        </p:attrNameLst>
+                                      </p:cBhvr>
+                                      <p:to>
+                                        <p:strVal val="visible"/>
+                                      </p:to>
+                                    </p:set>
+                                  </p:childTnLst>
+                                </p:cTn>
+                              </p:par>
+                              <p:par>
+                                <p:cTn id="31" presetID="1" presetClass="entr" presetSubtype="0" fill="hold" grpId="0" nodeType="withEffect">
+                                  <p:stCondLst>
+                                    <p:cond delay="0"/>
+                                  </p:stCondLst>
+                                  <p:childTnLst>
+                                    <p:set>
+                                      <p:cBhvr>
+                                        <p:cTn id="32" dur="1" fill="hold">
+                                          <p:stCondLst>
+                                            <p:cond delay="0"/>
+                                          </p:stCondLst>
+                                        </p:cTn>
+                                        <p:tgtEl>
+                                          <p:spTgt spid="23"/>
+                                        </p:tgtEl>
+                                        <p:attrNameLst>
+                                          <p:attrName>style.visibility</p:attrName>
+                                        </p:attrNameLst>
+                                      </p:cBhvr>
+                                      <p:to>
+                                        <p:strVal val="visible"/>
+                                      </p:to>
+                                    </p:set>
+                                  </p:childTnLst>
+                                </p:cTn>
+                              </p:par>
+                            </p:childTnLst>
+                          </p:cTn>
+                        </p:par>
+                      </p:childTnLst>
+                    </p:cTn>
+                  </p:par>
+                </p:childTnLst>
+              </p:cTn>
+              <p:prevCondLst>
+                <p:cond evt="onPrev" delay="0">
+                  <p:tgtEl>
+                    <p:sldTgt/>
+                  </p:tgtEl>
+                </p:cond>
+              </p:prevCondLst>
+              <p:nextCondLst>
+                <p:cond evt="onNext" delay="0">
+                  <p:tgtEl>
+                    <p:sldTgt/>
+                  </p:tgtEl>
+                </p:cond>
+              </p:nextCondLst>
+            </p:seq>
+          </p:childTnLst>
+        </p:cTn>
+      </p:par>
+    </p:tnLst>
+    <p:bldLst>
+      <p:bldP spid="10" grpId="0" animBg="1"/>
+      <p:bldP spid="11" grpId="0" animBg="1"/>
+      <p:bldP spid="14" grpId="0" animBg="1"/>
+      <p:bldP spid="17" grpId="0" animBg="1"/>
+      <p:bldP spid="18" grpId="0" animBg="1"/>
+      <p:bldP spid="21" grpId="0" animBg="1"/>
+      <p:bldP spid="22" grpId="0" animBg="1"/>
+      <p:bldP spid="23" grpId="0" animBg="1"/>
+    </p:bldLst>
+  </p:timing>
 </p:sld>
 </file>
 
